--- a/hw01.pptx
+++ b/hw01.pptx
@@ -4,8 +4,19 @@
   <p:sldMasterIdLst>
     <p:sldMasterId id="2147483648" r:id="rId1"/>
   </p:sldMasterIdLst>
+  <p:notesMasterIdLst>
+    <p:notesMasterId r:id="rId11"/>
+  </p:notesMasterIdLst>
   <p:sldIdLst>
     <p:sldId id="256" r:id="rId2"/>
+    <p:sldId id="257" r:id="rId3"/>
+    <p:sldId id="258" r:id="rId4"/>
+    <p:sldId id="259" r:id="rId5"/>
+    <p:sldId id="260" r:id="rId6"/>
+    <p:sldId id="261" r:id="rId7"/>
+    <p:sldId id="262" r:id="rId8"/>
+    <p:sldId id="263" r:id="rId9"/>
+    <p:sldId id="264" r:id="rId10"/>
   </p:sldIdLst>
   <p:sldSz cx="12192000" cy="6858000"/>
   <p:notesSz cx="6858000" cy="9144000"/>
@@ -104,7 +115,1220 @@
       </a:defRPr>
     </a:lvl9pPr>
   </p:defaultTextStyle>
+  <p:extLst>
+    <p:ext uri="{EFAFB233-063F-42B5-8137-9DF3F51BA10A}">
+      <p15:sldGuideLst xmlns:p15="http://schemas.microsoft.com/office/powerpoint/2012/main"/>
+    </p:ext>
+  </p:extLst>
 </p:presentation>
+</file>
+
+<file path=ppt/authors.xml><?xml version="1.0" encoding="utf-8"?>
+<p188:authorLst xmlns:a="http://schemas.openxmlformats.org/drawingml/2006/main" xmlns:r="http://schemas.openxmlformats.org/officeDocument/2006/relationships" xmlns:p188="http://schemas.microsoft.com/office/powerpoint/2018/8/main">
+  <p188:author id="{6658F803-A6A2-382A-29D9-655943716D7D}" name="穎萱 陳" initials="穎陳" userId="58123ce7d1eec4dd" providerId="Windows Live"/>
+</p188:authorLst>
+</file>
+
+<file path=ppt/comments/modernComment_101_9162B60E.xml><?xml version="1.0" encoding="utf-8"?>
+<p188:cmLst xmlns:a="http://schemas.openxmlformats.org/drawingml/2006/main" xmlns:r="http://schemas.openxmlformats.org/officeDocument/2006/relationships" xmlns:p188="http://schemas.microsoft.com/office/powerpoint/2018/8/main">
+  <p188:cm id="{1E13B0B1-E807-4B5D-802F-0C2724DBC660}" authorId="{6658F803-A6A2-382A-29D9-655943716D7D}" created="2024-11-01T03:41:45.543">
+    <pc:sldMkLst xmlns:pc="http://schemas.microsoft.com/office/powerpoint/2013/main/command">
+      <pc:docMk/>
+      <pc:sldMk cId="2439165454" sldId="257"/>
+    </pc:sldMkLst>
+    <p188:txBody>
+      <a:bodyPr/>
+      <a:lstStyle/>
+      <a:p>
+        <a:r>
+          <a:rPr lang="zh-TW" altLang="en-US"/>
+          <a:t>我是“那個什麼星”的一個普通居民柑橘，我們星球上的人主要為殖民母星生產零件。每天的生活就是在生產線上敲敲打打，日復一日。</a:t>
+        </a:r>
+      </a:p>
+    </p188:txBody>
+  </p188:cm>
+</p188:cmLst>
+</file>
+
+<file path=ppt/comments/modernComment_102_61C82218.xml><?xml version="1.0" encoding="utf-8"?>
+<p188:cmLst xmlns:a="http://schemas.openxmlformats.org/drawingml/2006/main" xmlns:r="http://schemas.openxmlformats.org/officeDocument/2006/relationships" xmlns:p188="http://schemas.microsoft.com/office/powerpoint/2018/8/main">
+  <p188:cm id="{DB0A959C-A042-48C7-8665-764479A46266}" authorId="{6658F803-A6A2-382A-29D9-655943716D7D}" created="2024-11-01T03:41:58.244">
+    <pc:sldMkLst xmlns:pc="http://schemas.microsoft.com/office/powerpoint/2013/main/command">
+      <pc:docMk/>
+      <pc:sldMk cId="1640505880" sldId="258"/>
+    </pc:sldMkLst>
+    <p188:txBody>
+      <a:bodyPr/>
+      <a:lstStyle/>
+      <a:p>
+        <a:r>
+          <a:rPr lang="zh-TW" altLang="en-US"/>
+          <a:t>有一天，因為實在太無聊，我敲著敲著居然睡著了，結果被監控機器人發現。警鈴突然響起，嚇得我趕緊逃跑。</a:t>
+        </a:r>
+      </a:p>
+    </p188:txBody>
+  </p188:cm>
+</p188:cmLst>
+</file>
+
+<file path=ppt/comments/modernComment_103_1C29331A.xml><?xml version="1.0" encoding="utf-8"?>
+<p188:cmLst xmlns:a="http://schemas.openxmlformats.org/drawingml/2006/main" xmlns:r="http://schemas.openxmlformats.org/officeDocument/2006/relationships" xmlns:p188="http://schemas.microsoft.com/office/powerpoint/2018/8/main">
+  <p188:cm id="{7D63F71E-9C62-428C-BF0A-5D9095642343}" authorId="{6658F803-A6A2-382A-29D9-655943716D7D}" created="2024-11-01T03:42:23.297">
+    <pc:sldMkLst xmlns:pc="http://schemas.microsoft.com/office/powerpoint/2013/main/command">
+      <pc:docMk/>
+      <pc:sldMk cId="472462106" sldId="259"/>
+    </pc:sldMkLst>
+    <p188:replyLst>
+      <p188:reply id="{045ED88B-BD4D-4E36-B44D-6AE0A0EA6468}" authorId="{6658F803-A6A2-382A-29D9-655943716D7D}" created="2024-11-01T06:19:40.399">
+        <p188:txBody>
+          <a:bodyPr/>
+          <a:lstStyle/>
+          <a:p>
+            <a:r>
+              <a:rPr lang="zh-TW" altLang="en-US"/>
+              <a:t>copilot好像不能一直生成相似主題的圖片，會顯示:很抱歉，我無法產生該影像。請再試一次。所以無法生成在工廠的圖片</a:t>
+            </a:r>
+          </a:p>
+        </p188:txBody>
+      </p188:reply>
+    </p188:replyLst>
+    <p188:txBody>
+      <a:bodyPr/>
+      <a:lstStyle/>
+      <a:p>
+        <a:r>
+          <a:rPr lang="zh-TW" altLang="en-US"/>
+          <a:t>我奮力往外衝，想躲開監控，沒想到一個腳滑，竟然滑進了運送貨品的時空隧道。</a:t>
+        </a:r>
+      </a:p>
+    </p188:txBody>
+  </p188:cm>
+</p188:cmLst>
+</file>
+
+<file path=ppt/comments/modernComment_104_D2661257.xml><?xml version="1.0" encoding="utf-8"?>
+<p188:cmLst xmlns:a="http://schemas.openxmlformats.org/drawingml/2006/main" xmlns:r="http://schemas.openxmlformats.org/officeDocument/2006/relationships" xmlns:p188="http://schemas.microsoft.com/office/powerpoint/2018/8/main">
+  <p188:cm id="{6C870FBE-1610-4370-A7B5-3FDCCD4EFBE2}" authorId="{6658F803-A6A2-382A-29D9-655943716D7D}" created="2024-11-01T03:42:37.814">
+    <pc:sldMkLst xmlns:pc="http://schemas.microsoft.com/office/powerpoint/2013/main/command">
+      <pc:docMk/>
+      <pc:sldMk cId="3529904727" sldId="260"/>
+    </pc:sldMkLst>
+    <p188:txBody>
+      <a:bodyPr/>
+      <a:lstStyle/>
+      <a:p>
+        <a:r>
+          <a:rPr lang="zh-TW" altLang="en-US"/>
+          <a:t>等我醒來時，發現自己已經到了地球。</a:t>
+        </a:r>
+      </a:p>
+    </p188:txBody>
+  </p188:cm>
+</p188:cmLst>
+</file>
+
+<file path=ppt/comments/modernComment_105_F907F8A1.xml><?xml version="1.0" encoding="utf-8"?>
+<p188:cmLst xmlns:a="http://schemas.openxmlformats.org/drawingml/2006/main" xmlns:r="http://schemas.openxmlformats.org/officeDocument/2006/relationships" xmlns:p188="http://schemas.microsoft.com/office/powerpoint/2018/8/main">
+  <p188:cm id="{69B16803-4903-40A5-B6EC-AEB9DC4AD91A}" authorId="{6658F803-A6A2-382A-29D9-655943716D7D}" created="2024-11-01T03:42:51.454">
+    <pc:sldMkLst xmlns:pc="http://schemas.microsoft.com/office/powerpoint/2013/main/command">
+      <pc:docMk/>
+      <pc:sldMk cId="4178049185" sldId="261"/>
+    </pc:sldMkLst>
+    <p188:replyLst>
+      <p188:reply id="{A771F309-560C-4A92-8082-73289F8DBC91}" authorId="{6658F803-A6A2-382A-29D9-655943716D7D}" created="2024-11-01T07:07:28.995">
+        <p188:txBody>
+          <a:bodyPr/>
+          <a:lstStyle/>
+          <a:p>
+            <a:r>
+              <a:rPr lang="zh-TW" altLang="en-US"/>
+              <a:t>因為copilot死活生不出來只好用pixai</a:t>
+            </a:r>
+          </a:p>
+        </p188:txBody>
+      </p188:reply>
+    </p188:replyLst>
+    <p188:txBody>
+      <a:bodyPr/>
+      <a:lstStyle/>
+      <a:p>
+        <a:r>
+          <a:rPr lang="zh-TW" altLang="en-US"/>
+          <a:t>還好我遇上了當地的宇宙人協會，他們理解我的情況，於是收留了我。</a:t>
+        </a:r>
+      </a:p>
+    </p188:txBody>
+  </p188:cm>
+</p188:cmLst>
+</file>
+
+<file path=ppt/comments/modernComment_106_A349D710.xml><?xml version="1.0" encoding="utf-8"?>
+<p188:cmLst xmlns:a="http://schemas.openxmlformats.org/drawingml/2006/main" xmlns:r="http://schemas.openxmlformats.org/officeDocument/2006/relationships" xmlns:p188="http://schemas.microsoft.com/office/powerpoint/2018/8/main">
+  <p188:cm id="{844A5B2C-0924-4BDF-AB73-7FD88DF436F9}" authorId="{6658F803-A6A2-382A-29D9-655943716D7D}" created="2024-11-01T03:43:02.814">
+    <pc:sldMkLst xmlns:pc="http://schemas.microsoft.com/office/powerpoint/2013/main/command">
+      <pc:docMk/>
+      <pc:sldMk cId="2739525392" sldId="262"/>
+    </pc:sldMkLst>
+    <p188:txBody>
+      <a:bodyPr/>
+      <a:lstStyle/>
+      <a:p>
+        <a:r>
+          <a:rPr lang="zh-TW" altLang="en-US"/>
+          <a:t>原本只是基層員工的我，突然在地球展開了全新的人生，成為了一名外星訪客。
+</a:t>
+        </a:r>
+      </a:p>
+    </p188:txBody>
+  </p188:cm>
+</p188:cmLst>
+</file>
+
+<file path=ppt/comments/modernComment_107_F8E0A19B.xml><?xml version="1.0" encoding="utf-8"?>
+<p188:cmLst xmlns:a="http://schemas.openxmlformats.org/drawingml/2006/main" xmlns:r="http://schemas.openxmlformats.org/officeDocument/2006/relationships" xmlns:p188="http://schemas.microsoft.com/office/powerpoint/2018/8/main">
+  <p188:cm id="{C7A01ABA-C067-400C-A8C9-E1E42FB89207}" authorId="{6658F803-A6A2-382A-29D9-655943716D7D}" created="2024-11-01T03:43:15.583">
+    <pc:sldMkLst xmlns:pc="http://schemas.microsoft.com/office/powerpoint/2013/main/command">
+      <pc:docMk/>
+      <pc:sldMk cId="4175471003" sldId="263"/>
+    </pc:sldMkLst>
+    <p188:txBody>
+      <a:bodyPr/>
+      <a:lstStyle/>
+      <a:p>
+        <a:r>
+          <a:rPr lang="zh-TW" altLang="en-US"/>
+          <a:t>於是，我開始適應這裡的生活，結束了在“那個什麼星”上枯燥的日子，踏上了地球的新旅程。</a:t>
+        </a:r>
+      </a:p>
+    </p188:txBody>
+  </p188:cm>
+</p188:cmLst>
+</file>
+
+<file path=ppt/notesMasters/notesMaster1.xml><?xml version="1.0" encoding="utf-8"?>
+<p:notesMaster xmlns:a="http://schemas.openxmlformats.org/drawingml/2006/main" xmlns:r="http://schemas.openxmlformats.org/officeDocument/2006/relationships" xmlns:p="http://schemas.openxmlformats.org/presentationml/2006/main">
+  <p:cSld>
+    <p:bg>
+      <p:bgRef idx="1001">
+        <a:schemeClr val="bg1"/>
+      </p:bgRef>
+    </p:bg>
+    <p:spTree>
+      <p:nvGrpSpPr>
+        <p:cNvPr id="1" name=""/>
+        <p:cNvGrpSpPr/>
+        <p:nvPr/>
+      </p:nvGrpSpPr>
+      <p:grpSpPr>
+        <a:xfrm>
+          <a:off x="0" y="0"/>
+          <a:ext cx="0" cy="0"/>
+          <a:chOff x="0" y="0"/>
+          <a:chExt cx="0" cy="0"/>
+        </a:xfrm>
+      </p:grpSpPr>
+      <p:sp>
+        <p:nvSpPr>
+          <p:cNvPr id="2" name="頁首版面配置區 1"/>
+          <p:cNvSpPr>
+            <a:spLocks noGrp="1"/>
+          </p:cNvSpPr>
+          <p:nvPr>
+            <p:ph type="hdr" sz="quarter"/>
+          </p:nvPr>
+        </p:nvSpPr>
+        <p:spPr>
+          <a:xfrm>
+            <a:off x="0" y="0"/>
+            <a:ext cx="2971800" cy="458788"/>
+          </a:xfrm>
+          <a:prstGeom prst="rect">
+            <a:avLst/>
+          </a:prstGeom>
+        </p:spPr>
+        <p:txBody>
+          <a:bodyPr vert="horz" lIns="91440" tIns="45720" rIns="91440" bIns="45720" rtlCol="0"/>
+          <a:lstStyle>
+            <a:lvl1pPr algn="l">
+              <a:defRPr sz="1200"/>
+            </a:lvl1pPr>
+          </a:lstStyle>
+          <a:p>
+            <a:endParaRPr lang="zh-TW" altLang="en-US"/>
+          </a:p>
+        </p:txBody>
+      </p:sp>
+      <p:sp>
+        <p:nvSpPr>
+          <p:cNvPr id="3" name="日期版面配置區 2"/>
+          <p:cNvSpPr>
+            <a:spLocks noGrp="1"/>
+          </p:cNvSpPr>
+          <p:nvPr>
+            <p:ph type="dt" idx="1"/>
+          </p:nvPr>
+        </p:nvSpPr>
+        <p:spPr>
+          <a:xfrm>
+            <a:off x="3884613" y="0"/>
+            <a:ext cx="2971800" cy="458788"/>
+          </a:xfrm>
+          <a:prstGeom prst="rect">
+            <a:avLst/>
+          </a:prstGeom>
+        </p:spPr>
+        <p:txBody>
+          <a:bodyPr vert="horz" lIns="91440" tIns="45720" rIns="91440" bIns="45720" rtlCol="0"/>
+          <a:lstStyle>
+            <a:lvl1pPr algn="r">
+              <a:defRPr sz="1200"/>
+            </a:lvl1pPr>
+          </a:lstStyle>
+          <a:p>
+            <a:fld id="{909A9430-25EE-4307-BA07-615444823A66}" type="datetimeFigureOut">
+              <a:rPr lang="zh-TW" altLang="en-US" smtClean="0"/>
+              <a:t>2024/11/1</a:t>
+            </a:fld>
+            <a:endParaRPr lang="zh-TW" altLang="en-US"/>
+          </a:p>
+        </p:txBody>
+      </p:sp>
+      <p:sp>
+        <p:nvSpPr>
+          <p:cNvPr id="4" name="投影片影像版面配置區 3"/>
+          <p:cNvSpPr>
+            <a:spLocks noGrp="1" noRot="1" noChangeAspect="1"/>
+          </p:cNvSpPr>
+          <p:nvPr>
+            <p:ph type="sldImg" idx="2"/>
+          </p:nvPr>
+        </p:nvSpPr>
+        <p:spPr>
+          <a:xfrm>
+            <a:off x="685800" y="1143000"/>
+            <a:ext cx="5486400" cy="3086100"/>
+          </a:xfrm>
+          <a:prstGeom prst="rect">
+            <a:avLst/>
+          </a:prstGeom>
+          <a:noFill/>
+          <a:ln w="12700">
+            <a:solidFill>
+              <a:prstClr val="black"/>
+            </a:solidFill>
+          </a:ln>
+        </p:spPr>
+        <p:txBody>
+          <a:bodyPr vert="horz" lIns="91440" tIns="45720" rIns="91440" bIns="45720" rtlCol="0" anchor="ctr"/>
+          <a:lstStyle/>
+          <a:p>
+            <a:endParaRPr lang="zh-TW" altLang="en-US"/>
+          </a:p>
+        </p:txBody>
+      </p:sp>
+      <p:sp>
+        <p:nvSpPr>
+          <p:cNvPr id="5" name="備忘稿版面配置區 4"/>
+          <p:cNvSpPr>
+            <a:spLocks noGrp="1"/>
+          </p:cNvSpPr>
+          <p:nvPr>
+            <p:ph type="body" sz="quarter" idx="3"/>
+          </p:nvPr>
+        </p:nvSpPr>
+        <p:spPr>
+          <a:xfrm>
+            <a:off x="685800" y="4400550"/>
+            <a:ext cx="5486400" cy="3600450"/>
+          </a:xfrm>
+          <a:prstGeom prst="rect">
+            <a:avLst/>
+          </a:prstGeom>
+        </p:spPr>
+        <p:txBody>
+          <a:bodyPr vert="horz" lIns="91440" tIns="45720" rIns="91440" bIns="45720" rtlCol="0"/>
+          <a:lstStyle/>
+          <a:p>
+            <a:pPr lvl="0"/>
+            <a:r>
+              <a:rPr lang="zh-TW" altLang="en-US"/>
+              <a:t>按一下以編輯母片文字樣式</a:t>
+            </a:r>
+          </a:p>
+          <a:p>
+            <a:pPr lvl="1"/>
+            <a:r>
+              <a:rPr lang="zh-TW" altLang="en-US"/>
+              <a:t>第二層</a:t>
+            </a:r>
+          </a:p>
+          <a:p>
+            <a:pPr lvl="2"/>
+            <a:r>
+              <a:rPr lang="zh-TW" altLang="en-US"/>
+              <a:t>第三層</a:t>
+            </a:r>
+          </a:p>
+          <a:p>
+            <a:pPr lvl="3"/>
+            <a:r>
+              <a:rPr lang="zh-TW" altLang="en-US"/>
+              <a:t>第四層</a:t>
+            </a:r>
+          </a:p>
+          <a:p>
+            <a:pPr lvl="4"/>
+            <a:r>
+              <a:rPr lang="zh-TW" altLang="en-US"/>
+              <a:t>第五層</a:t>
+            </a:r>
+          </a:p>
+        </p:txBody>
+      </p:sp>
+      <p:sp>
+        <p:nvSpPr>
+          <p:cNvPr id="6" name="頁尾版面配置區 5"/>
+          <p:cNvSpPr>
+            <a:spLocks noGrp="1"/>
+          </p:cNvSpPr>
+          <p:nvPr>
+            <p:ph type="ftr" sz="quarter" idx="4"/>
+          </p:nvPr>
+        </p:nvSpPr>
+        <p:spPr>
+          <a:xfrm>
+            <a:off x="0" y="8685213"/>
+            <a:ext cx="2971800" cy="458787"/>
+          </a:xfrm>
+          <a:prstGeom prst="rect">
+            <a:avLst/>
+          </a:prstGeom>
+        </p:spPr>
+        <p:txBody>
+          <a:bodyPr vert="horz" lIns="91440" tIns="45720" rIns="91440" bIns="45720" rtlCol="0" anchor="b"/>
+          <a:lstStyle>
+            <a:lvl1pPr algn="l">
+              <a:defRPr sz="1200"/>
+            </a:lvl1pPr>
+          </a:lstStyle>
+          <a:p>
+            <a:endParaRPr lang="zh-TW" altLang="en-US"/>
+          </a:p>
+        </p:txBody>
+      </p:sp>
+      <p:sp>
+        <p:nvSpPr>
+          <p:cNvPr id="7" name="投影片編號版面配置區 6"/>
+          <p:cNvSpPr>
+            <a:spLocks noGrp="1"/>
+          </p:cNvSpPr>
+          <p:nvPr>
+            <p:ph type="sldNum" sz="quarter" idx="5"/>
+          </p:nvPr>
+        </p:nvSpPr>
+        <p:spPr>
+          <a:xfrm>
+            <a:off x="3884613" y="8685213"/>
+            <a:ext cx="2971800" cy="458787"/>
+          </a:xfrm>
+          <a:prstGeom prst="rect">
+            <a:avLst/>
+          </a:prstGeom>
+        </p:spPr>
+        <p:txBody>
+          <a:bodyPr vert="horz" lIns="91440" tIns="45720" rIns="91440" bIns="45720" rtlCol="0" anchor="b"/>
+          <a:lstStyle>
+            <a:lvl1pPr algn="r">
+              <a:defRPr sz="1200"/>
+            </a:lvl1pPr>
+          </a:lstStyle>
+          <a:p>
+            <a:fld id="{EA1A7BE5-0309-4ABB-B2C2-440E8B0154FB}" type="slidenum">
+              <a:rPr lang="zh-TW" altLang="en-US" smtClean="0"/>
+              <a:t>‹#›</a:t>
+            </a:fld>
+            <a:endParaRPr lang="zh-TW" altLang="en-US"/>
+          </a:p>
+        </p:txBody>
+      </p:sp>
+    </p:spTree>
+    <p:extLst>
+      <p:ext uri="{BB962C8B-B14F-4D97-AF65-F5344CB8AC3E}">
+        <p14:creationId xmlns:p14="http://schemas.microsoft.com/office/powerpoint/2010/main" val="2801181331"/>
+      </p:ext>
+    </p:extLst>
+  </p:cSld>
+  <p:clrMap bg1="lt1" tx1="dk1" bg2="lt2" tx2="dk2" accent1="accent1" accent2="accent2" accent3="accent3" accent4="accent4" accent5="accent5" accent6="accent6" hlink="hlink" folHlink="folHlink"/>
+  <p:notesStyle>
+    <a:lvl1pPr marL="0" algn="l" defTabSz="914400" rtl="0" eaLnBrk="1" latinLnBrk="0" hangingPunct="1">
+      <a:defRPr sz="1200" kern="1200">
+        <a:solidFill>
+          <a:schemeClr val="tx1"/>
+        </a:solidFill>
+        <a:latin typeface="+mn-lt"/>
+        <a:ea typeface="+mn-ea"/>
+        <a:cs typeface="+mn-cs"/>
+      </a:defRPr>
+    </a:lvl1pPr>
+    <a:lvl2pPr marL="457200" algn="l" defTabSz="914400" rtl="0" eaLnBrk="1" latinLnBrk="0" hangingPunct="1">
+      <a:defRPr sz="1200" kern="1200">
+        <a:solidFill>
+          <a:schemeClr val="tx1"/>
+        </a:solidFill>
+        <a:latin typeface="+mn-lt"/>
+        <a:ea typeface="+mn-ea"/>
+        <a:cs typeface="+mn-cs"/>
+      </a:defRPr>
+    </a:lvl2pPr>
+    <a:lvl3pPr marL="914400" algn="l" defTabSz="914400" rtl="0" eaLnBrk="1" latinLnBrk="0" hangingPunct="1">
+      <a:defRPr sz="1200" kern="1200">
+        <a:solidFill>
+          <a:schemeClr val="tx1"/>
+        </a:solidFill>
+        <a:latin typeface="+mn-lt"/>
+        <a:ea typeface="+mn-ea"/>
+        <a:cs typeface="+mn-cs"/>
+      </a:defRPr>
+    </a:lvl3pPr>
+    <a:lvl4pPr marL="1371600" algn="l" defTabSz="914400" rtl="0" eaLnBrk="1" latinLnBrk="0" hangingPunct="1">
+      <a:defRPr sz="1200" kern="1200">
+        <a:solidFill>
+          <a:schemeClr val="tx1"/>
+        </a:solidFill>
+        <a:latin typeface="+mn-lt"/>
+        <a:ea typeface="+mn-ea"/>
+        <a:cs typeface="+mn-cs"/>
+      </a:defRPr>
+    </a:lvl4pPr>
+    <a:lvl5pPr marL="1828800" algn="l" defTabSz="914400" rtl="0" eaLnBrk="1" latinLnBrk="0" hangingPunct="1">
+      <a:defRPr sz="1200" kern="1200">
+        <a:solidFill>
+          <a:schemeClr val="tx1"/>
+        </a:solidFill>
+        <a:latin typeface="+mn-lt"/>
+        <a:ea typeface="+mn-ea"/>
+        <a:cs typeface="+mn-cs"/>
+      </a:defRPr>
+    </a:lvl5pPr>
+    <a:lvl6pPr marL="2286000" algn="l" defTabSz="914400" rtl="0" eaLnBrk="1" latinLnBrk="0" hangingPunct="1">
+      <a:defRPr sz="1200" kern="1200">
+        <a:solidFill>
+          <a:schemeClr val="tx1"/>
+        </a:solidFill>
+        <a:latin typeface="+mn-lt"/>
+        <a:ea typeface="+mn-ea"/>
+        <a:cs typeface="+mn-cs"/>
+      </a:defRPr>
+    </a:lvl6pPr>
+    <a:lvl7pPr marL="2743200" algn="l" defTabSz="914400" rtl="0" eaLnBrk="1" latinLnBrk="0" hangingPunct="1">
+      <a:defRPr sz="1200" kern="1200">
+        <a:solidFill>
+          <a:schemeClr val="tx1"/>
+        </a:solidFill>
+        <a:latin typeface="+mn-lt"/>
+        <a:ea typeface="+mn-ea"/>
+        <a:cs typeface="+mn-cs"/>
+      </a:defRPr>
+    </a:lvl7pPr>
+    <a:lvl8pPr marL="3200400" algn="l" defTabSz="914400" rtl="0" eaLnBrk="1" latinLnBrk="0" hangingPunct="1">
+      <a:defRPr sz="1200" kern="1200">
+        <a:solidFill>
+          <a:schemeClr val="tx1"/>
+        </a:solidFill>
+        <a:latin typeface="+mn-lt"/>
+        <a:ea typeface="+mn-ea"/>
+        <a:cs typeface="+mn-cs"/>
+      </a:defRPr>
+    </a:lvl8pPr>
+    <a:lvl9pPr marL="3657600" algn="l" defTabSz="914400" rtl="0" eaLnBrk="1" latinLnBrk="0" hangingPunct="1">
+      <a:defRPr sz="1200" kern="1200">
+        <a:solidFill>
+          <a:schemeClr val="tx1"/>
+        </a:solidFill>
+        <a:latin typeface="+mn-lt"/>
+        <a:ea typeface="+mn-ea"/>
+        <a:cs typeface="+mn-cs"/>
+      </a:defRPr>
+    </a:lvl9pPr>
+  </p:notesStyle>
+</p:notesMaster>
+</file>
+
+<file path=ppt/notesSlides/notesSlide1.xml><?xml version="1.0" encoding="utf-8"?>
+<p:notes xmlns:a="http://schemas.openxmlformats.org/drawingml/2006/main" xmlns:r="http://schemas.openxmlformats.org/officeDocument/2006/relationships" xmlns:p="http://schemas.openxmlformats.org/presentationml/2006/main">
+  <p:cSld>
+    <p:spTree>
+      <p:nvGrpSpPr>
+        <p:cNvPr id="1" name=""/>
+        <p:cNvGrpSpPr/>
+        <p:nvPr/>
+      </p:nvGrpSpPr>
+      <p:grpSpPr>
+        <a:xfrm>
+          <a:off x="0" y="0"/>
+          <a:ext cx="0" cy="0"/>
+          <a:chOff x="0" y="0"/>
+          <a:chExt cx="0" cy="0"/>
+        </a:xfrm>
+      </p:grpSpPr>
+      <p:sp>
+        <p:nvSpPr>
+          <p:cNvPr id="2" name="投影片影像版面配置區 1"/>
+          <p:cNvSpPr>
+            <a:spLocks noGrp="1" noRot="1" noChangeAspect="1"/>
+          </p:cNvSpPr>
+          <p:nvPr>
+            <p:ph type="sldImg"/>
+          </p:nvPr>
+        </p:nvSpPr>
+        <p:spPr/>
+      </p:sp>
+      <p:sp>
+        <p:nvSpPr>
+          <p:cNvPr id="3" name="備忘稿版面配置區 2"/>
+          <p:cNvSpPr>
+            <a:spLocks noGrp="1"/>
+          </p:cNvSpPr>
+          <p:nvPr>
+            <p:ph type="body" idx="1"/>
+          </p:nvPr>
+        </p:nvSpPr>
+        <p:spPr/>
+        <p:txBody>
+          <a:bodyPr/>
+          <a:lstStyle/>
+          <a:p>
+            <a:r>
+              <a:rPr lang="zh-TW" altLang="en-US" b="0" i="0" dirty="0">
+                <a:solidFill>
+                  <a:srgbClr val="282523"/>
+                </a:solidFill>
+                <a:effectLst/>
+                <a:latin typeface="Ginto"/>
+              </a:rPr>
+              <a:t>日本動畫風格 黑色短髮黃瞳少女身穿紅色連帽長袖衣在工廠生產線上工作</a:t>
+            </a:r>
+            <a:endParaRPr lang="zh-TW" altLang="en-US" dirty="0"/>
+          </a:p>
+        </p:txBody>
+      </p:sp>
+      <p:sp>
+        <p:nvSpPr>
+          <p:cNvPr id="4" name="投影片編號版面配置區 3"/>
+          <p:cNvSpPr>
+            <a:spLocks noGrp="1"/>
+          </p:cNvSpPr>
+          <p:nvPr>
+            <p:ph type="sldNum" sz="quarter" idx="5"/>
+          </p:nvPr>
+        </p:nvSpPr>
+        <p:spPr/>
+        <p:txBody>
+          <a:bodyPr/>
+          <a:lstStyle/>
+          <a:p>
+            <a:fld id="{EA1A7BE5-0309-4ABB-B2C2-440E8B0154FB}" type="slidenum">
+              <a:rPr lang="zh-TW" altLang="en-US" smtClean="0"/>
+              <a:t>2</a:t>
+            </a:fld>
+            <a:endParaRPr lang="zh-TW" altLang="en-US"/>
+          </a:p>
+        </p:txBody>
+      </p:sp>
+    </p:spTree>
+    <p:extLst>
+      <p:ext uri="{BB962C8B-B14F-4D97-AF65-F5344CB8AC3E}">
+        <p14:creationId xmlns:p14="http://schemas.microsoft.com/office/powerpoint/2010/main" val="1031850102"/>
+      </p:ext>
+    </p:extLst>
+  </p:cSld>
+  <p:clrMapOvr>
+    <a:masterClrMapping/>
+  </p:clrMapOvr>
+</p:notes>
+</file>
+
+<file path=ppt/notesSlides/notesSlide2.xml><?xml version="1.0" encoding="utf-8"?>
+<p:notes xmlns:a="http://schemas.openxmlformats.org/drawingml/2006/main" xmlns:r="http://schemas.openxmlformats.org/officeDocument/2006/relationships" xmlns:p="http://schemas.openxmlformats.org/presentationml/2006/main">
+  <p:cSld>
+    <p:spTree>
+      <p:nvGrpSpPr>
+        <p:cNvPr id="1" name=""/>
+        <p:cNvGrpSpPr/>
+        <p:nvPr/>
+      </p:nvGrpSpPr>
+      <p:grpSpPr>
+        <a:xfrm>
+          <a:off x="0" y="0"/>
+          <a:ext cx="0" cy="0"/>
+          <a:chOff x="0" y="0"/>
+          <a:chExt cx="0" cy="0"/>
+        </a:xfrm>
+      </p:grpSpPr>
+      <p:sp>
+        <p:nvSpPr>
+          <p:cNvPr id="2" name="投影片影像版面配置區 1"/>
+          <p:cNvSpPr>
+            <a:spLocks noGrp="1" noRot="1" noChangeAspect="1"/>
+          </p:cNvSpPr>
+          <p:nvPr>
+            <p:ph type="sldImg"/>
+          </p:nvPr>
+        </p:nvSpPr>
+        <p:spPr/>
+      </p:sp>
+      <p:sp>
+        <p:nvSpPr>
+          <p:cNvPr id="3" name="備忘稿版面配置區 2"/>
+          <p:cNvSpPr>
+            <a:spLocks noGrp="1"/>
+          </p:cNvSpPr>
+          <p:nvPr>
+            <p:ph type="body" idx="1"/>
+          </p:nvPr>
+        </p:nvSpPr>
+        <p:spPr/>
+        <p:txBody>
+          <a:bodyPr/>
+          <a:lstStyle/>
+          <a:p>
+            <a:r>
+              <a:rPr lang="zh-TW" altLang="en-US" b="0" i="0" dirty="0">
+                <a:solidFill>
+                  <a:srgbClr val="282523"/>
+                </a:solidFill>
+                <a:effectLst/>
+                <a:latin typeface="Ginto"/>
+              </a:rPr>
+              <a:t>日本動畫風格 黑色短髮黃瞳少女身穿紅色連帽長袖衣在工廠中緊張地跑步</a:t>
+            </a:r>
+            <a:endParaRPr lang="zh-TW" altLang="en-US" dirty="0"/>
+          </a:p>
+        </p:txBody>
+      </p:sp>
+      <p:sp>
+        <p:nvSpPr>
+          <p:cNvPr id="4" name="投影片編號版面配置區 3"/>
+          <p:cNvSpPr>
+            <a:spLocks noGrp="1"/>
+          </p:cNvSpPr>
+          <p:nvPr>
+            <p:ph type="sldNum" sz="quarter" idx="5"/>
+          </p:nvPr>
+        </p:nvSpPr>
+        <p:spPr/>
+        <p:txBody>
+          <a:bodyPr/>
+          <a:lstStyle/>
+          <a:p>
+            <a:fld id="{EA1A7BE5-0309-4ABB-B2C2-440E8B0154FB}" type="slidenum">
+              <a:rPr lang="zh-TW" altLang="en-US" smtClean="0"/>
+              <a:t>3</a:t>
+            </a:fld>
+            <a:endParaRPr lang="zh-TW" altLang="en-US"/>
+          </a:p>
+        </p:txBody>
+      </p:sp>
+    </p:spTree>
+    <p:extLst>
+      <p:ext uri="{BB962C8B-B14F-4D97-AF65-F5344CB8AC3E}">
+        <p14:creationId xmlns:p14="http://schemas.microsoft.com/office/powerpoint/2010/main" val="1324268231"/>
+      </p:ext>
+    </p:extLst>
+  </p:cSld>
+  <p:clrMapOvr>
+    <a:masterClrMapping/>
+  </p:clrMapOvr>
+</p:notes>
+</file>
+
+<file path=ppt/notesSlides/notesSlide3.xml><?xml version="1.0" encoding="utf-8"?>
+<p:notes xmlns:a="http://schemas.openxmlformats.org/drawingml/2006/main" xmlns:r="http://schemas.openxmlformats.org/officeDocument/2006/relationships" xmlns:p="http://schemas.openxmlformats.org/presentationml/2006/main">
+  <p:cSld>
+    <p:spTree>
+      <p:nvGrpSpPr>
+        <p:cNvPr id="1" name=""/>
+        <p:cNvGrpSpPr/>
+        <p:nvPr/>
+      </p:nvGrpSpPr>
+      <p:grpSpPr>
+        <a:xfrm>
+          <a:off x="0" y="0"/>
+          <a:ext cx="0" cy="0"/>
+          <a:chOff x="0" y="0"/>
+          <a:chExt cx="0" cy="0"/>
+        </a:xfrm>
+      </p:grpSpPr>
+      <p:sp>
+        <p:nvSpPr>
+          <p:cNvPr id="2" name="投影片影像版面配置區 1"/>
+          <p:cNvSpPr>
+            <a:spLocks noGrp="1" noRot="1" noChangeAspect="1"/>
+          </p:cNvSpPr>
+          <p:nvPr>
+            <p:ph type="sldImg"/>
+          </p:nvPr>
+        </p:nvSpPr>
+        <p:spPr/>
+      </p:sp>
+      <p:sp>
+        <p:nvSpPr>
+          <p:cNvPr id="3" name="備忘稿版面配置區 2"/>
+          <p:cNvSpPr>
+            <a:spLocks noGrp="1"/>
+          </p:cNvSpPr>
+          <p:nvPr>
+            <p:ph type="body" idx="1"/>
+          </p:nvPr>
+        </p:nvSpPr>
+        <p:spPr/>
+        <p:txBody>
+          <a:bodyPr/>
+          <a:lstStyle/>
+          <a:p>
+            <a:r>
+              <a:rPr lang="zh-TW" altLang="en-US" b="0" i="0" dirty="0">
+                <a:solidFill>
+                  <a:srgbClr val="282523"/>
+                </a:solidFill>
+                <a:effectLst/>
+                <a:latin typeface="Ginto"/>
+              </a:rPr>
+              <a:t>日本動畫風格 黑色短髮黃瞳少女身穿紅色連帽長袖衣在宇宙中漂浮</a:t>
+            </a:r>
+            <a:endParaRPr lang="zh-TW" altLang="en-US" dirty="0"/>
+          </a:p>
+        </p:txBody>
+      </p:sp>
+      <p:sp>
+        <p:nvSpPr>
+          <p:cNvPr id="4" name="投影片編號版面配置區 3"/>
+          <p:cNvSpPr>
+            <a:spLocks noGrp="1"/>
+          </p:cNvSpPr>
+          <p:nvPr>
+            <p:ph type="sldNum" sz="quarter" idx="5"/>
+          </p:nvPr>
+        </p:nvSpPr>
+        <p:spPr/>
+        <p:txBody>
+          <a:bodyPr/>
+          <a:lstStyle/>
+          <a:p>
+            <a:fld id="{EA1A7BE5-0309-4ABB-B2C2-440E8B0154FB}" type="slidenum">
+              <a:rPr lang="zh-TW" altLang="en-US" smtClean="0"/>
+              <a:t>4</a:t>
+            </a:fld>
+            <a:endParaRPr lang="zh-TW" altLang="en-US"/>
+          </a:p>
+        </p:txBody>
+      </p:sp>
+    </p:spTree>
+    <p:extLst>
+      <p:ext uri="{BB962C8B-B14F-4D97-AF65-F5344CB8AC3E}">
+        <p14:creationId xmlns:p14="http://schemas.microsoft.com/office/powerpoint/2010/main" val="3229073631"/>
+      </p:ext>
+    </p:extLst>
+  </p:cSld>
+  <p:clrMapOvr>
+    <a:masterClrMapping/>
+  </p:clrMapOvr>
+</p:notes>
+</file>
+
+<file path=ppt/notesSlides/notesSlide4.xml><?xml version="1.0" encoding="utf-8"?>
+<p:notes xmlns:a="http://schemas.openxmlformats.org/drawingml/2006/main" xmlns:r="http://schemas.openxmlformats.org/officeDocument/2006/relationships" xmlns:p="http://schemas.openxmlformats.org/presentationml/2006/main">
+  <p:cSld>
+    <p:spTree>
+      <p:nvGrpSpPr>
+        <p:cNvPr id="1" name=""/>
+        <p:cNvGrpSpPr/>
+        <p:nvPr/>
+      </p:nvGrpSpPr>
+      <p:grpSpPr>
+        <a:xfrm>
+          <a:off x="0" y="0"/>
+          <a:ext cx="0" cy="0"/>
+          <a:chOff x="0" y="0"/>
+          <a:chExt cx="0" cy="0"/>
+        </a:xfrm>
+      </p:grpSpPr>
+      <p:sp>
+        <p:nvSpPr>
+          <p:cNvPr id="2" name="投影片影像版面配置區 1"/>
+          <p:cNvSpPr>
+            <a:spLocks noGrp="1" noRot="1" noChangeAspect="1"/>
+          </p:cNvSpPr>
+          <p:nvPr>
+            <p:ph type="sldImg"/>
+          </p:nvPr>
+        </p:nvSpPr>
+        <p:spPr/>
+      </p:sp>
+      <p:sp>
+        <p:nvSpPr>
+          <p:cNvPr id="3" name="備忘稿版面配置區 2"/>
+          <p:cNvSpPr>
+            <a:spLocks noGrp="1"/>
+          </p:cNvSpPr>
+          <p:nvPr>
+            <p:ph type="body" idx="1"/>
+          </p:nvPr>
+        </p:nvSpPr>
+        <p:spPr/>
+        <p:txBody>
+          <a:bodyPr/>
+          <a:lstStyle/>
+          <a:p>
+            <a:r>
+              <a:rPr lang="zh-TW" altLang="en-US" b="0" i="0" dirty="0">
+                <a:solidFill>
+                  <a:srgbClr val="282523"/>
+                </a:solidFill>
+                <a:effectLst/>
+                <a:latin typeface="Ginto"/>
+              </a:rPr>
+              <a:t>日本動畫風格 黑色短髮黃瞳少女身穿紅色連帽長袖衣跌坐在馬路邊</a:t>
+            </a:r>
+            <a:endParaRPr lang="zh-TW" altLang="en-US" dirty="0"/>
+          </a:p>
+        </p:txBody>
+      </p:sp>
+      <p:sp>
+        <p:nvSpPr>
+          <p:cNvPr id="4" name="投影片編號版面配置區 3"/>
+          <p:cNvSpPr>
+            <a:spLocks noGrp="1"/>
+          </p:cNvSpPr>
+          <p:nvPr>
+            <p:ph type="sldNum" sz="quarter" idx="5"/>
+          </p:nvPr>
+        </p:nvSpPr>
+        <p:spPr/>
+        <p:txBody>
+          <a:bodyPr/>
+          <a:lstStyle/>
+          <a:p>
+            <a:fld id="{EA1A7BE5-0309-4ABB-B2C2-440E8B0154FB}" type="slidenum">
+              <a:rPr lang="zh-TW" altLang="en-US" smtClean="0"/>
+              <a:t>5</a:t>
+            </a:fld>
+            <a:endParaRPr lang="zh-TW" altLang="en-US"/>
+          </a:p>
+        </p:txBody>
+      </p:sp>
+    </p:spTree>
+    <p:extLst>
+      <p:ext uri="{BB962C8B-B14F-4D97-AF65-F5344CB8AC3E}">
+        <p14:creationId xmlns:p14="http://schemas.microsoft.com/office/powerpoint/2010/main" val="2919746039"/>
+      </p:ext>
+    </p:extLst>
+  </p:cSld>
+  <p:clrMapOvr>
+    <a:masterClrMapping/>
+  </p:clrMapOvr>
+</p:notes>
+</file>
+
+<file path=ppt/notesSlides/notesSlide5.xml><?xml version="1.0" encoding="utf-8"?>
+<p:notes xmlns:a="http://schemas.openxmlformats.org/drawingml/2006/main" xmlns:r="http://schemas.openxmlformats.org/officeDocument/2006/relationships" xmlns:p="http://schemas.openxmlformats.org/presentationml/2006/main">
+  <p:cSld>
+    <p:spTree>
+      <p:nvGrpSpPr>
+        <p:cNvPr id="1" name=""/>
+        <p:cNvGrpSpPr/>
+        <p:nvPr/>
+      </p:nvGrpSpPr>
+      <p:grpSpPr>
+        <a:xfrm>
+          <a:off x="0" y="0"/>
+          <a:ext cx="0" cy="0"/>
+          <a:chOff x="0" y="0"/>
+          <a:chExt cx="0" cy="0"/>
+        </a:xfrm>
+      </p:grpSpPr>
+      <p:sp>
+        <p:nvSpPr>
+          <p:cNvPr id="2" name="投影片影像版面配置區 1"/>
+          <p:cNvSpPr>
+            <a:spLocks noGrp="1" noRot="1" noChangeAspect="1"/>
+          </p:cNvSpPr>
+          <p:nvPr>
+            <p:ph type="sldImg"/>
+          </p:nvPr>
+        </p:nvSpPr>
+        <p:spPr/>
+      </p:sp>
+      <p:sp>
+        <p:nvSpPr>
+          <p:cNvPr id="3" name="備忘稿版面配置區 2"/>
+          <p:cNvSpPr>
+            <a:spLocks noGrp="1"/>
+          </p:cNvSpPr>
+          <p:nvPr>
+            <p:ph type="body" idx="1"/>
+          </p:nvPr>
+        </p:nvSpPr>
+        <p:spPr/>
+        <p:txBody>
+          <a:bodyPr/>
+          <a:lstStyle/>
+          <a:p>
+            <a:pPr marL="0" marR="0" lvl="0" indent="0" algn="l" defTabSz="914400" rtl="0" eaLnBrk="1" fontAlgn="auto" latinLnBrk="0" hangingPunct="1">
+              <a:lnSpc>
+                <a:spcPct val="100000"/>
+              </a:lnSpc>
+              <a:spcBef>
+                <a:spcPts val="0"/>
+              </a:spcBef>
+              <a:spcAft>
+                <a:spcPts val="0"/>
+              </a:spcAft>
+              <a:buClrTx/>
+              <a:buSzTx/>
+              <a:buFontTx/>
+              <a:buNone/>
+              <a:tabLst/>
+              <a:defRPr/>
+            </a:pPr>
+            <a:r>
+              <a:rPr lang="zh-TW" altLang="en-US" b="0" i="0" dirty="0">
+                <a:solidFill>
+                  <a:srgbClr val="000000"/>
+                </a:solidFill>
+                <a:effectLst/>
+                <a:latin typeface="inherit"/>
+              </a:rPr>
+              <a:t>請幫我生成 日本動畫風格黑色短髮黃瞳少女身穿紅色連帽衣 和一群人聊天</a:t>
+            </a:r>
+          </a:p>
+          <a:p>
+            <a:endParaRPr lang="zh-TW" altLang="en-US" dirty="0"/>
+          </a:p>
+        </p:txBody>
+      </p:sp>
+      <p:sp>
+        <p:nvSpPr>
+          <p:cNvPr id="4" name="投影片編號版面配置區 3"/>
+          <p:cNvSpPr>
+            <a:spLocks noGrp="1"/>
+          </p:cNvSpPr>
+          <p:nvPr>
+            <p:ph type="sldNum" sz="quarter" idx="5"/>
+          </p:nvPr>
+        </p:nvSpPr>
+        <p:spPr/>
+        <p:txBody>
+          <a:bodyPr/>
+          <a:lstStyle/>
+          <a:p>
+            <a:fld id="{EA1A7BE5-0309-4ABB-B2C2-440E8B0154FB}" type="slidenum">
+              <a:rPr lang="zh-TW" altLang="en-US" smtClean="0"/>
+              <a:t>6</a:t>
+            </a:fld>
+            <a:endParaRPr lang="zh-TW" altLang="en-US"/>
+          </a:p>
+        </p:txBody>
+      </p:sp>
+    </p:spTree>
+    <p:extLst>
+      <p:ext uri="{BB962C8B-B14F-4D97-AF65-F5344CB8AC3E}">
+        <p14:creationId xmlns:p14="http://schemas.microsoft.com/office/powerpoint/2010/main" val="3376850197"/>
+      </p:ext>
+    </p:extLst>
+  </p:cSld>
+  <p:clrMapOvr>
+    <a:masterClrMapping/>
+  </p:clrMapOvr>
+</p:notes>
+</file>
+
+<file path=ppt/notesSlides/notesSlide6.xml><?xml version="1.0" encoding="utf-8"?>
+<p:notes xmlns:a="http://schemas.openxmlformats.org/drawingml/2006/main" xmlns:r="http://schemas.openxmlformats.org/officeDocument/2006/relationships" xmlns:p="http://schemas.openxmlformats.org/presentationml/2006/main">
+  <p:cSld>
+    <p:spTree>
+      <p:nvGrpSpPr>
+        <p:cNvPr id="1" name=""/>
+        <p:cNvGrpSpPr/>
+        <p:nvPr/>
+      </p:nvGrpSpPr>
+      <p:grpSpPr>
+        <a:xfrm>
+          <a:off x="0" y="0"/>
+          <a:ext cx="0" cy="0"/>
+          <a:chOff x="0" y="0"/>
+          <a:chExt cx="0" cy="0"/>
+        </a:xfrm>
+      </p:grpSpPr>
+      <p:sp>
+        <p:nvSpPr>
+          <p:cNvPr id="2" name="投影片影像版面配置區 1"/>
+          <p:cNvSpPr>
+            <a:spLocks noGrp="1" noRot="1" noChangeAspect="1"/>
+          </p:cNvSpPr>
+          <p:nvPr>
+            <p:ph type="sldImg"/>
+          </p:nvPr>
+        </p:nvSpPr>
+        <p:spPr/>
+      </p:sp>
+      <p:sp>
+        <p:nvSpPr>
+          <p:cNvPr id="3" name="備忘稿版面配置區 2"/>
+          <p:cNvSpPr>
+            <a:spLocks noGrp="1"/>
+          </p:cNvSpPr>
+          <p:nvPr>
+            <p:ph type="body" idx="1"/>
+          </p:nvPr>
+        </p:nvSpPr>
+        <p:spPr/>
+        <p:txBody>
+          <a:bodyPr/>
+          <a:lstStyle/>
+          <a:p>
+            <a:r>
+              <a:rPr lang="zh-TW" altLang="en-US" b="0" i="0" dirty="0">
+                <a:solidFill>
+                  <a:srgbClr val="282523"/>
+                </a:solidFill>
+                <a:effectLst/>
+                <a:latin typeface="Ginto"/>
+              </a:rPr>
+              <a:t>請幫我生成日本動畫風格身穿紅色連帽衣有黑色短髮黃色眼睛的少女在路上走</a:t>
+            </a:r>
+            <a:endParaRPr lang="zh-TW" altLang="en-US" dirty="0"/>
+          </a:p>
+        </p:txBody>
+      </p:sp>
+      <p:sp>
+        <p:nvSpPr>
+          <p:cNvPr id="4" name="投影片編號版面配置區 3"/>
+          <p:cNvSpPr>
+            <a:spLocks noGrp="1"/>
+          </p:cNvSpPr>
+          <p:nvPr>
+            <p:ph type="sldNum" sz="quarter" idx="5"/>
+          </p:nvPr>
+        </p:nvSpPr>
+        <p:spPr/>
+        <p:txBody>
+          <a:bodyPr/>
+          <a:lstStyle/>
+          <a:p>
+            <a:fld id="{EA1A7BE5-0309-4ABB-B2C2-440E8B0154FB}" type="slidenum">
+              <a:rPr lang="zh-TW" altLang="en-US" smtClean="0"/>
+              <a:t>7</a:t>
+            </a:fld>
+            <a:endParaRPr lang="zh-TW" altLang="en-US"/>
+          </a:p>
+        </p:txBody>
+      </p:sp>
+    </p:spTree>
+    <p:extLst>
+      <p:ext uri="{BB962C8B-B14F-4D97-AF65-F5344CB8AC3E}">
+        <p14:creationId xmlns:p14="http://schemas.microsoft.com/office/powerpoint/2010/main" val="2443895382"/>
+      </p:ext>
+    </p:extLst>
+  </p:cSld>
+  <p:clrMapOvr>
+    <a:masterClrMapping/>
+  </p:clrMapOvr>
+</p:notes>
+</file>
+
+<file path=ppt/notesSlides/notesSlide7.xml><?xml version="1.0" encoding="utf-8"?>
+<p:notes xmlns:a="http://schemas.openxmlformats.org/drawingml/2006/main" xmlns:r="http://schemas.openxmlformats.org/officeDocument/2006/relationships" xmlns:p="http://schemas.openxmlformats.org/presentationml/2006/main">
+  <p:cSld>
+    <p:spTree>
+      <p:nvGrpSpPr>
+        <p:cNvPr id="1" name=""/>
+        <p:cNvGrpSpPr/>
+        <p:nvPr/>
+      </p:nvGrpSpPr>
+      <p:grpSpPr>
+        <a:xfrm>
+          <a:off x="0" y="0"/>
+          <a:ext cx="0" cy="0"/>
+          <a:chOff x="0" y="0"/>
+          <a:chExt cx="0" cy="0"/>
+        </a:xfrm>
+      </p:grpSpPr>
+      <p:sp>
+        <p:nvSpPr>
+          <p:cNvPr id="2" name="投影片影像版面配置區 1"/>
+          <p:cNvSpPr>
+            <a:spLocks noGrp="1" noRot="1" noChangeAspect="1"/>
+          </p:cNvSpPr>
+          <p:nvPr>
+            <p:ph type="sldImg"/>
+          </p:nvPr>
+        </p:nvSpPr>
+        <p:spPr/>
+      </p:sp>
+      <p:sp>
+        <p:nvSpPr>
+          <p:cNvPr id="3" name="備忘稿版面配置區 2"/>
+          <p:cNvSpPr>
+            <a:spLocks noGrp="1"/>
+          </p:cNvSpPr>
+          <p:nvPr>
+            <p:ph type="body" idx="1"/>
+          </p:nvPr>
+        </p:nvSpPr>
+        <p:spPr/>
+        <p:txBody>
+          <a:bodyPr/>
+          <a:lstStyle/>
+          <a:p>
+            <a:r>
+              <a:rPr lang="zh-TW" altLang="en-US" b="0" i="0" dirty="0">
+                <a:solidFill>
+                  <a:srgbClr val="282523"/>
+                </a:solidFill>
+                <a:effectLst/>
+                <a:latin typeface="Ginto"/>
+              </a:rPr>
+              <a:t>請幫我生成日本動畫風格身穿紅色連帽衣有黑色短髮黃色眼睛的少女站在地球上</a:t>
+            </a:r>
+            <a:endParaRPr lang="zh-TW" altLang="en-US" dirty="0"/>
+          </a:p>
+        </p:txBody>
+      </p:sp>
+      <p:sp>
+        <p:nvSpPr>
+          <p:cNvPr id="4" name="投影片編號版面配置區 3"/>
+          <p:cNvSpPr>
+            <a:spLocks noGrp="1"/>
+          </p:cNvSpPr>
+          <p:nvPr>
+            <p:ph type="sldNum" sz="quarter" idx="5"/>
+          </p:nvPr>
+        </p:nvSpPr>
+        <p:spPr/>
+        <p:txBody>
+          <a:bodyPr/>
+          <a:lstStyle/>
+          <a:p>
+            <a:fld id="{EA1A7BE5-0309-4ABB-B2C2-440E8B0154FB}" type="slidenum">
+              <a:rPr lang="zh-TW" altLang="en-US" smtClean="0"/>
+              <a:t>8</a:t>
+            </a:fld>
+            <a:endParaRPr lang="zh-TW" altLang="en-US"/>
+          </a:p>
+        </p:txBody>
+      </p:sp>
+    </p:spTree>
+    <p:extLst>
+      <p:ext uri="{BB962C8B-B14F-4D97-AF65-F5344CB8AC3E}">
+        <p14:creationId xmlns:p14="http://schemas.microsoft.com/office/powerpoint/2010/main" val="248860470"/>
+      </p:ext>
+    </p:extLst>
+  </p:cSld>
+  <p:clrMapOvr>
+    <a:masterClrMapping/>
+  </p:clrMapOvr>
+</p:notes>
 </file>
 
 <file path=ppt/slideLayouts/slideLayout1.xml><?xml version="1.0" encoding="utf-8"?>
@@ -129,7 +1353,7 @@
           <p:cNvPr id="2" name="標題 1">
             <a:extLst>
               <a:ext uri="{FF2B5EF4-FFF2-40B4-BE49-F238E27FC236}">
-                <a16:creationId xmlns:a16="http://schemas.microsoft.com/office/drawing/2014/main" id="{EB5CC918-B447-434E-B98E-5847BB49C259}"/>
+                <a16:creationId xmlns:a16="http://schemas.microsoft.com/office/drawing/2014/main" id="{E72A2F82-994A-AB3E-F956-EF93E643A7BF}"/>
               </a:ext>
             </a:extLst>
           </p:cNvPr>
@@ -166,7 +1390,7 @@
           <p:cNvPr id="3" name="副標題 2">
             <a:extLst>
               <a:ext uri="{FF2B5EF4-FFF2-40B4-BE49-F238E27FC236}">
-                <a16:creationId xmlns:a16="http://schemas.microsoft.com/office/drawing/2014/main" id="{817FCC70-CC4E-4CB6-B2CF-9FDA5AC4D346}"/>
+                <a16:creationId xmlns:a16="http://schemas.microsoft.com/office/drawing/2014/main" id="{13BC7F2B-DE4B-8E7A-0FD3-B7210CCB32CE}"/>
               </a:ext>
             </a:extLst>
           </p:cNvPr>
@@ -236,7 +1460,7 @@
           <p:cNvPr id="4" name="日期版面配置區 3">
             <a:extLst>
               <a:ext uri="{FF2B5EF4-FFF2-40B4-BE49-F238E27FC236}">
-                <a16:creationId xmlns:a16="http://schemas.microsoft.com/office/drawing/2014/main" id="{BD08F018-0004-4322-AD0F-E6E740964233}"/>
+                <a16:creationId xmlns:a16="http://schemas.microsoft.com/office/drawing/2014/main" id="{E20E52B6-CA71-F68F-9E34-CD5B037322B9}"/>
               </a:ext>
             </a:extLst>
           </p:cNvPr>
@@ -252,9 +1476,9 @@
           <a:bodyPr/>
           <a:lstStyle/>
           <a:p>
-            <a:fld id="{C3C90D7E-32D6-4894-AE08-7BBB3E610FC9}" type="datetimeFigureOut">
+            <a:fld id="{A5A42BAC-EA54-449E-AC26-F9491E1FD411}" type="datetimeFigureOut">
               <a:rPr lang="zh-TW" altLang="en-US" smtClean="0"/>
-              <a:t>2024/9/16</a:t>
+              <a:t>2024/11/1</a:t>
             </a:fld>
             <a:endParaRPr lang="zh-TW" altLang="en-US"/>
           </a:p>
@@ -265,7 +1489,7 @@
           <p:cNvPr id="5" name="頁尾版面配置區 4">
             <a:extLst>
               <a:ext uri="{FF2B5EF4-FFF2-40B4-BE49-F238E27FC236}">
-                <a16:creationId xmlns:a16="http://schemas.microsoft.com/office/drawing/2014/main" id="{30427B34-CB13-41C7-B2F2-CED9BDC5B595}"/>
+                <a16:creationId xmlns:a16="http://schemas.microsoft.com/office/drawing/2014/main" id="{1C862A7A-3CB3-88AC-375A-0D8EB6D80A0A}"/>
               </a:ext>
             </a:extLst>
           </p:cNvPr>
@@ -290,7 +1514,7 @@
           <p:cNvPr id="6" name="投影片編號版面配置區 5">
             <a:extLst>
               <a:ext uri="{FF2B5EF4-FFF2-40B4-BE49-F238E27FC236}">
-                <a16:creationId xmlns:a16="http://schemas.microsoft.com/office/drawing/2014/main" id="{76FA962E-5B03-439A-928C-87366876542D}"/>
+                <a16:creationId xmlns:a16="http://schemas.microsoft.com/office/drawing/2014/main" id="{593BD9FF-DDC9-5B90-F333-F607EF88A82E}"/>
               </a:ext>
             </a:extLst>
           </p:cNvPr>
@@ -306,7 +1530,7 @@
           <a:bodyPr/>
           <a:lstStyle/>
           <a:p>
-            <a:fld id="{E31EC408-072F-4346-BD0A-D6AA5788A305}" type="slidenum">
+            <a:fld id="{B8CCA854-3F1C-458D-8D43-4E1CF4B32B4F}" type="slidenum">
               <a:rPr lang="zh-TW" altLang="en-US" smtClean="0"/>
               <a:t>‹#›</a:t>
             </a:fld>
@@ -317,7 +1541,7 @@
     </p:spTree>
     <p:extLst>
       <p:ext uri="{BB962C8B-B14F-4D97-AF65-F5344CB8AC3E}">
-        <p14:creationId xmlns:p14="http://schemas.microsoft.com/office/powerpoint/2010/main" val="2963035110"/>
+        <p14:creationId xmlns:p14="http://schemas.microsoft.com/office/powerpoint/2010/main" val="818363368"/>
       </p:ext>
     </p:extLst>
   </p:cSld>
@@ -349,7 +1573,7 @@
           <p:cNvPr id="2" name="標題 1">
             <a:extLst>
               <a:ext uri="{FF2B5EF4-FFF2-40B4-BE49-F238E27FC236}">
-                <a16:creationId xmlns:a16="http://schemas.microsoft.com/office/drawing/2014/main" id="{A02F0018-7F8E-4206-A929-07CDC6B5F34A}"/>
+                <a16:creationId xmlns:a16="http://schemas.microsoft.com/office/drawing/2014/main" id="{E0D537D0-58B7-49CD-F21F-48871CA4FBC0}"/>
               </a:ext>
             </a:extLst>
           </p:cNvPr>
@@ -377,7 +1601,7 @@
           <p:cNvPr id="3" name="直排文字版面配置區 2">
             <a:extLst>
               <a:ext uri="{FF2B5EF4-FFF2-40B4-BE49-F238E27FC236}">
-                <a16:creationId xmlns:a16="http://schemas.microsoft.com/office/drawing/2014/main" id="{9B801E88-34C3-4545-A358-81F5614FED64}"/>
+                <a16:creationId xmlns:a16="http://schemas.microsoft.com/office/drawing/2014/main" id="{8C86E0F9-E717-E45D-06BE-77E29282B806}"/>
               </a:ext>
             </a:extLst>
           </p:cNvPr>
@@ -434,7 +1658,7 @@
           <p:cNvPr id="4" name="日期版面配置區 3">
             <a:extLst>
               <a:ext uri="{FF2B5EF4-FFF2-40B4-BE49-F238E27FC236}">
-                <a16:creationId xmlns:a16="http://schemas.microsoft.com/office/drawing/2014/main" id="{60AFD716-8B99-4230-B55F-C8B88ECBB171}"/>
+                <a16:creationId xmlns:a16="http://schemas.microsoft.com/office/drawing/2014/main" id="{D109BDEA-77F1-A7BB-5E7D-0A6E7FB745D5}"/>
               </a:ext>
             </a:extLst>
           </p:cNvPr>
@@ -450,9 +1674,9 @@
           <a:bodyPr/>
           <a:lstStyle/>
           <a:p>
-            <a:fld id="{C3C90D7E-32D6-4894-AE08-7BBB3E610FC9}" type="datetimeFigureOut">
+            <a:fld id="{A5A42BAC-EA54-449E-AC26-F9491E1FD411}" type="datetimeFigureOut">
               <a:rPr lang="zh-TW" altLang="en-US" smtClean="0"/>
-              <a:t>2024/9/16</a:t>
+              <a:t>2024/11/1</a:t>
             </a:fld>
             <a:endParaRPr lang="zh-TW" altLang="en-US"/>
           </a:p>
@@ -463,7 +1687,7 @@
           <p:cNvPr id="5" name="頁尾版面配置區 4">
             <a:extLst>
               <a:ext uri="{FF2B5EF4-FFF2-40B4-BE49-F238E27FC236}">
-                <a16:creationId xmlns:a16="http://schemas.microsoft.com/office/drawing/2014/main" id="{EA374743-76D9-4BF8-A60C-2F50B2636A8A}"/>
+                <a16:creationId xmlns:a16="http://schemas.microsoft.com/office/drawing/2014/main" id="{FC53314C-CBCA-9076-F31C-E0C61DD8A453}"/>
               </a:ext>
             </a:extLst>
           </p:cNvPr>
@@ -488,7 +1712,7 @@
           <p:cNvPr id="6" name="投影片編號版面配置區 5">
             <a:extLst>
               <a:ext uri="{FF2B5EF4-FFF2-40B4-BE49-F238E27FC236}">
-                <a16:creationId xmlns:a16="http://schemas.microsoft.com/office/drawing/2014/main" id="{00454594-6C11-4013-A666-A151E960EC9B}"/>
+                <a16:creationId xmlns:a16="http://schemas.microsoft.com/office/drawing/2014/main" id="{D48A87C7-F54C-EC96-21A8-FCB6349B6AD1}"/>
               </a:ext>
             </a:extLst>
           </p:cNvPr>
@@ -504,7 +1728,7 @@
           <a:bodyPr/>
           <a:lstStyle/>
           <a:p>
-            <a:fld id="{E31EC408-072F-4346-BD0A-D6AA5788A305}" type="slidenum">
+            <a:fld id="{B8CCA854-3F1C-458D-8D43-4E1CF4B32B4F}" type="slidenum">
               <a:rPr lang="zh-TW" altLang="en-US" smtClean="0"/>
               <a:t>‹#›</a:t>
             </a:fld>
@@ -515,7 +1739,7 @@
     </p:spTree>
     <p:extLst>
       <p:ext uri="{BB962C8B-B14F-4D97-AF65-F5344CB8AC3E}">
-        <p14:creationId xmlns:p14="http://schemas.microsoft.com/office/powerpoint/2010/main" val="188953001"/>
+        <p14:creationId xmlns:p14="http://schemas.microsoft.com/office/powerpoint/2010/main" val="997787787"/>
       </p:ext>
     </p:extLst>
   </p:cSld>
@@ -547,7 +1771,7 @@
           <p:cNvPr id="2" name="直排標題 1">
             <a:extLst>
               <a:ext uri="{FF2B5EF4-FFF2-40B4-BE49-F238E27FC236}">
-                <a16:creationId xmlns:a16="http://schemas.microsoft.com/office/drawing/2014/main" id="{70F760AC-E708-4605-85E2-7D0F424B3E29}"/>
+                <a16:creationId xmlns:a16="http://schemas.microsoft.com/office/drawing/2014/main" id="{097C0D09-EB46-2FCF-1452-20D478488D8C}"/>
               </a:ext>
             </a:extLst>
           </p:cNvPr>
@@ -580,7 +1804,7 @@
           <p:cNvPr id="3" name="直排文字版面配置區 2">
             <a:extLst>
               <a:ext uri="{FF2B5EF4-FFF2-40B4-BE49-F238E27FC236}">
-                <a16:creationId xmlns:a16="http://schemas.microsoft.com/office/drawing/2014/main" id="{84BECF48-F3B6-4D47-82A8-C6AE92EDC2F0}"/>
+                <a16:creationId xmlns:a16="http://schemas.microsoft.com/office/drawing/2014/main" id="{A3F33340-CD24-A41B-126C-B529F4550F6D}"/>
               </a:ext>
             </a:extLst>
           </p:cNvPr>
@@ -642,7 +1866,7 @@
           <p:cNvPr id="4" name="日期版面配置區 3">
             <a:extLst>
               <a:ext uri="{FF2B5EF4-FFF2-40B4-BE49-F238E27FC236}">
-                <a16:creationId xmlns:a16="http://schemas.microsoft.com/office/drawing/2014/main" id="{215DE52A-093E-4116-A2FE-F61BA999B89F}"/>
+                <a16:creationId xmlns:a16="http://schemas.microsoft.com/office/drawing/2014/main" id="{13C3B22E-9EDE-6284-A1B3-1C276BA878A0}"/>
               </a:ext>
             </a:extLst>
           </p:cNvPr>
@@ -658,9 +1882,9 @@
           <a:bodyPr/>
           <a:lstStyle/>
           <a:p>
-            <a:fld id="{C3C90D7E-32D6-4894-AE08-7BBB3E610FC9}" type="datetimeFigureOut">
+            <a:fld id="{A5A42BAC-EA54-449E-AC26-F9491E1FD411}" type="datetimeFigureOut">
               <a:rPr lang="zh-TW" altLang="en-US" smtClean="0"/>
-              <a:t>2024/9/16</a:t>
+              <a:t>2024/11/1</a:t>
             </a:fld>
             <a:endParaRPr lang="zh-TW" altLang="en-US"/>
           </a:p>
@@ -671,7 +1895,7 @@
           <p:cNvPr id="5" name="頁尾版面配置區 4">
             <a:extLst>
               <a:ext uri="{FF2B5EF4-FFF2-40B4-BE49-F238E27FC236}">
-                <a16:creationId xmlns:a16="http://schemas.microsoft.com/office/drawing/2014/main" id="{34553FE1-A5D9-4070-AA9C-378F491D4677}"/>
+                <a16:creationId xmlns:a16="http://schemas.microsoft.com/office/drawing/2014/main" id="{06E23FFB-E2C4-F1F9-29CA-39F120F0F5E0}"/>
               </a:ext>
             </a:extLst>
           </p:cNvPr>
@@ -696,7 +1920,7 @@
           <p:cNvPr id="6" name="投影片編號版面配置區 5">
             <a:extLst>
               <a:ext uri="{FF2B5EF4-FFF2-40B4-BE49-F238E27FC236}">
-                <a16:creationId xmlns:a16="http://schemas.microsoft.com/office/drawing/2014/main" id="{928EFDDC-5B11-4543-8144-518625EDA57F}"/>
+                <a16:creationId xmlns:a16="http://schemas.microsoft.com/office/drawing/2014/main" id="{6BBA7DCF-E200-DF60-2E2C-9B04985B01AC}"/>
               </a:ext>
             </a:extLst>
           </p:cNvPr>
@@ -712,7 +1936,7 @@
           <a:bodyPr/>
           <a:lstStyle/>
           <a:p>
-            <a:fld id="{E31EC408-072F-4346-BD0A-D6AA5788A305}" type="slidenum">
+            <a:fld id="{B8CCA854-3F1C-458D-8D43-4E1CF4B32B4F}" type="slidenum">
               <a:rPr lang="zh-TW" altLang="en-US" smtClean="0"/>
               <a:t>‹#›</a:t>
             </a:fld>
@@ -723,7 +1947,7 @@
     </p:spTree>
     <p:extLst>
       <p:ext uri="{BB962C8B-B14F-4D97-AF65-F5344CB8AC3E}">
-        <p14:creationId xmlns:p14="http://schemas.microsoft.com/office/powerpoint/2010/main" val="2483123943"/>
+        <p14:creationId xmlns:p14="http://schemas.microsoft.com/office/powerpoint/2010/main" val="1929494856"/>
       </p:ext>
     </p:extLst>
   </p:cSld>
@@ -755,7 +1979,7 @@
           <p:cNvPr id="2" name="標題 1">
             <a:extLst>
               <a:ext uri="{FF2B5EF4-FFF2-40B4-BE49-F238E27FC236}">
-                <a16:creationId xmlns:a16="http://schemas.microsoft.com/office/drawing/2014/main" id="{A1BFCF4C-FB58-444C-B754-A594851E4C7B}"/>
+                <a16:creationId xmlns:a16="http://schemas.microsoft.com/office/drawing/2014/main" id="{DB63924A-4412-23EE-FBED-ADABF1A986BF}"/>
               </a:ext>
             </a:extLst>
           </p:cNvPr>
@@ -783,7 +2007,7 @@
           <p:cNvPr id="3" name="內容版面配置區 2">
             <a:extLst>
               <a:ext uri="{FF2B5EF4-FFF2-40B4-BE49-F238E27FC236}">
-                <a16:creationId xmlns:a16="http://schemas.microsoft.com/office/drawing/2014/main" id="{987C475D-648F-4511-A6FE-04B04F755F93}"/>
+                <a16:creationId xmlns:a16="http://schemas.microsoft.com/office/drawing/2014/main" id="{740B2DCE-2664-28E9-F4F4-A238BFFF5CEA}"/>
               </a:ext>
             </a:extLst>
           </p:cNvPr>
@@ -840,7 +2064,7 @@
           <p:cNvPr id="4" name="日期版面配置區 3">
             <a:extLst>
               <a:ext uri="{FF2B5EF4-FFF2-40B4-BE49-F238E27FC236}">
-                <a16:creationId xmlns:a16="http://schemas.microsoft.com/office/drawing/2014/main" id="{F511FCF8-D8F7-4914-920F-D63F2D97F713}"/>
+                <a16:creationId xmlns:a16="http://schemas.microsoft.com/office/drawing/2014/main" id="{A2398255-37AE-48A0-562B-8A4DDDD94E11}"/>
               </a:ext>
             </a:extLst>
           </p:cNvPr>
@@ -856,9 +2080,9 @@
           <a:bodyPr/>
           <a:lstStyle/>
           <a:p>
-            <a:fld id="{C3C90D7E-32D6-4894-AE08-7BBB3E610FC9}" type="datetimeFigureOut">
+            <a:fld id="{A5A42BAC-EA54-449E-AC26-F9491E1FD411}" type="datetimeFigureOut">
               <a:rPr lang="zh-TW" altLang="en-US" smtClean="0"/>
-              <a:t>2024/9/16</a:t>
+              <a:t>2024/11/1</a:t>
             </a:fld>
             <a:endParaRPr lang="zh-TW" altLang="en-US"/>
           </a:p>
@@ -869,7 +2093,7 @@
           <p:cNvPr id="5" name="頁尾版面配置區 4">
             <a:extLst>
               <a:ext uri="{FF2B5EF4-FFF2-40B4-BE49-F238E27FC236}">
-                <a16:creationId xmlns:a16="http://schemas.microsoft.com/office/drawing/2014/main" id="{7E1D3E8F-338D-4B4D-B411-5282866FF95D}"/>
+                <a16:creationId xmlns:a16="http://schemas.microsoft.com/office/drawing/2014/main" id="{CB636F86-E0DA-B244-BD4D-844A86FAB208}"/>
               </a:ext>
             </a:extLst>
           </p:cNvPr>
@@ -894,7 +2118,7 @@
           <p:cNvPr id="6" name="投影片編號版面配置區 5">
             <a:extLst>
               <a:ext uri="{FF2B5EF4-FFF2-40B4-BE49-F238E27FC236}">
-                <a16:creationId xmlns:a16="http://schemas.microsoft.com/office/drawing/2014/main" id="{F7DF3AD5-06B6-42D8-AEDF-66CCE6582524}"/>
+                <a16:creationId xmlns:a16="http://schemas.microsoft.com/office/drawing/2014/main" id="{9028A5FF-63E0-609A-3C5E-4EF60D8C2210}"/>
               </a:ext>
             </a:extLst>
           </p:cNvPr>
@@ -910,7 +2134,7 @@
           <a:bodyPr/>
           <a:lstStyle/>
           <a:p>
-            <a:fld id="{E31EC408-072F-4346-BD0A-D6AA5788A305}" type="slidenum">
+            <a:fld id="{B8CCA854-3F1C-458D-8D43-4E1CF4B32B4F}" type="slidenum">
               <a:rPr lang="zh-TW" altLang="en-US" smtClean="0"/>
               <a:t>‹#›</a:t>
             </a:fld>
@@ -921,7 +2145,7 @@
     </p:spTree>
     <p:extLst>
       <p:ext uri="{BB962C8B-B14F-4D97-AF65-F5344CB8AC3E}">
-        <p14:creationId xmlns:p14="http://schemas.microsoft.com/office/powerpoint/2010/main" val="4198509733"/>
+        <p14:creationId xmlns:p14="http://schemas.microsoft.com/office/powerpoint/2010/main" val="271647007"/>
       </p:ext>
     </p:extLst>
   </p:cSld>
@@ -953,7 +2177,7 @@
           <p:cNvPr id="2" name="標題 1">
             <a:extLst>
               <a:ext uri="{FF2B5EF4-FFF2-40B4-BE49-F238E27FC236}">
-                <a16:creationId xmlns:a16="http://schemas.microsoft.com/office/drawing/2014/main" id="{5986B870-2B24-4658-9AEB-3C92E8E40B41}"/>
+                <a16:creationId xmlns:a16="http://schemas.microsoft.com/office/drawing/2014/main" id="{0064A748-A4A6-286C-32DD-02C9BA365979}"/>
               </a:ext>
             </a:extLst>
           </p:cNvPr>
@@ -990,7 +2214,7 @@
           <p:cNvPr id="3" name="文字版面配置區 2">
             <a:extLst>
               <a:ext uri="{FF2B5EF4-FFF2-40B4-BE49-F238E27FC236}">
-                <a16:creationId xmlns:a16="http://schemas.microsoft.com/office/drawing/2014/main" id="{90235018-E757-4630-8511-F466B919268F}"/>
+                <a16:creationId xmlns:a16="http://schemas.microsoft.com/office/drawing/2014/main" id="{61CD995B-D6D7-F83D-91D0-E31E8E2E30D0}"/>
               </a:ext>
             </a:extLst>
           </p:cNvPr>
@@ -1015,7 +2239,7 @@
               <a:defRPr sz="2400">
                 <a:solidFill>
                   <a:schemeClr val="tx1">
-                    <a:tint val="75000"/>
+                    <a:tint val="82000"/>
                   </a:schemeClr>
                 </a:solidFill>
               </a:defRPr>
@@ -1025,7 +2249,7 @@
               <a:defRPr sz="2000">
                 <a:solidFill>
                   <a:schemeClr val="tx1">
-                    <a:tint val="75000"/>
+                    <a:tint val="82000"/>
                   </a:schemeClr>
                 </a:solidFill>
               </a:defRPr>
@@ -1035,7 +2259,7 @@
               <a:defRPr sz="1800">
                 <a:solidFill>
                   <a:schemeClr val="tx1">
-                    <a:tint val="75000"/>
+                    <a:tint val="82000"/>
                   </a:schemeClr>
                 </a:solidFill>
               </a:defRPr>
@@ -1045,7 +2269,7 @@
               <a:defRPr sz="1600">
                 <a:solidFill>
                   <a:schemeClr val="tx1">
-                    <a:tint val="75000"/>
+                    <a:tint val="82000"/>
                   </a:schemeClr>
                 </a:solidFill>
               </a:defRPr>
@@ -1055,7 +2279,7 @@
               <a:defRPr sz="1600">
                 <a:solidFill>
                   <a:schemeClr val="tx1">
-                    <a:tint val="75000"/>
+                    <a:tint val="82000"/>
                   </a:schemeClr>
                 </a:solidFill>
               </a:defRPr>
@@ -1065,7 +2289,7 @@
               <a:defRPr sz="1600">
                 <a:solidFill>
                   <a:schemeClr val="tx1">
-                    <a:tint val="75000"/>
+                    <a:tint val="82000"/>
                   </a:schemeClr>
                 </a:solidFill>
               </a:defRPr>
@@ -1075,7 +2299,7 @@
               <a:defRPr sz="1600">
                 <a:solidFill>
                   <a:schemeClr val="tx1">
-                    <a:tint val="75000"/>
+                    <a:tint val="82000"/>
                   </a:schemeClr>
                 </a:solidFill>
               </a:defRPr>
@@ -1085,7 +2309,7 @@
               <a:defRPr sz="1600">
                 <a:solidFill>
                   <a:schemeClr val="tx1">
-                    <a:tint val="75000"/>
+                    <a:tint val="82000"/>
                   </a:schemeClr>
                 </a:solidFill>
               </a:defRPr>
@@ -1095,7 +2319,7 @@
               <a:defRPr sz="1600">
                 <a:solidFill>
                   <a:schemeClr val="tx1">
-                    <a:tint val="75000"/>
+                    <a:tint val="82000"/>
                   </a:schemeClr>
                 </a:solidFill>
               </a:defRPr>
@@ -1115,7 +2339,7 @@
           <p:cNvPr id="4" name="日期版面配置區 3">
             <a:extLst>
               <a:ext uri="{FF2B5EF4-FFF2-40B4-BE49-F238E27FC236}">
-                <a16:creationId xmlns:a16="http://schemas.microsoft.com/office/drawing/2014/main" id="{37546C76-CF19-433D-9070-0A54A149F1B2}"/>
+                <a16:creationId xmlns:a16="http://schemas.microsoft.com/office/drawing/2014/main" id="{5F232871-D9E2-FCCC-63D6-539C0EAAAE8E}"/>
               </a:ext>
             </a:extLst>
           </p:cNvPr>
@@ -1131,9 +2355,9 @@
           <a:bodyPr/>
           <a:lstStyle/>
           <a:p>
-            <a:fld id="{C3C90D7E-32D6-4894-AE08-7BBB3E610FC9}" type="datetimeFigureOut">
+            <a:fld id="{A5A42BAC-EA54-449E-AC26-F9491E1FD411}" type="datetimeFigureOut">
               <a:rPr lang="zh-TW" altLang="en-US" smtClean="0"/>
-              <a:t>2024/9/16</a:t>
+              <a:t>2024/11/1</a:t>
             </a:fld>
             <a:endParaRPr lang="zh-TW" altLang="en-US"/>
           </a:p>
@@ -1144,7 +2368,7 @@
           <p:cNvPr id="5" name="頁尾版面配置區 4">
             <a:extLst>
               <a:ext uri="{FF2B5EF4-FFF2-40B4-BE49-F238E27FC236}">
-                <a16:creationId xmlns:a16="http://schemas.microsoft.com/office/drawing/2014/main" id="{9C9DC25F-827C-4564-AD0E-7FD815D53AF7}"/>
+                <a16:creationId xmlns:a16="http://schemas.microsoft.com/office/drawing/2014/main" id="{DDEF1F51-552E-D621-DB5D-D820763605EC}"/>
               </a:ext>
             </a:extLst>
           </p:cNvPr>
@@ -1169,7 +2393,7 @@
           <p:cNvPr id="6" name="投影片編號版面配置區 5">
             <a:extLst>
               <a:ext uri="{FF2B5EF4-FFF2-40B4-BE49-F238E27FC236}">
-                <a16:creationId xmlns:a16="http://schemas.microsoft.com/office/drawing/2014/main" id="{8C0653A6-68AA-4213-8D62-EAF9243D6998}"/>
+                <a16:creationId xmlns:a16="http://schemas.microsoft.com/office/drawing/2014/main" id="{329A3E65-9881-E861-29E1-1EF1EAC2FF35}"/>
               </a:ext>
             </a:extLst>
           </p:cNvPr>
@@ -1185,7 +2409,7 @@
           <a:bodyPr/>
           <a:lstStyle/>
           <a:p>
-            <a:fld id="{E31EC408-072F-4346-BD0A-D6AA5788A305}" type="slidenum">
+            <a:fld id="{B8CCA854-3F1C-458D-8D43-4E1CF4B32B4F}" type="slidenum">
               <a:rPr lang="zh-TW" altLang="en-US" smtClean="0"/>
               <a:t>‹#›</a:t>
             </a:fld>
@@ -1196,7 +2420,7 @@
     </p:spTree>
     <p:extLst>
       <p:ext uri="{BB962C8B-B14F-4D97-AF65-F5344CB8AC3E}">
-        <p14:creationId xmlns:p14="http://schemas.microsoft.com/office/powerpoint/2010/main" val="3126775509"/>
+        <p14:creationId xmlns:p14="http://schemas.microsoft.com/office/powerpoint/2010/main" val="3680080486"/>
       </p:ext>
     </p:extLst>
   </p:cSld>
@@ -1228,7 +2452,7 @@
           <p:cNvPr id="2" name="標題 1">
             <a:extLst>
               <a:ext uri="{FF2B5EF4-FFF2-40B4-BE49-F238E27FC236}">
-                <a16:creationId xmlns:a16="http://schemas.microsoft.com/office/drawing/2014/main" id="{F8A74D77-9E6E-4FD1-97AD-0ADC1228B6AF}"/>
+                <a16:creationId xmlns:a16="http://schemas.microsoft.com/office/drawing/2014/main" id="{B6AB4B01-88B1-12A3-6575-114C1010C4E7}"/>
               </a:ext>
             </a:extLst>
           </p:cNvPr>
@@ -1256,7 +2480,7 @@
           <p:cNvPr id="3" name="內容版面配置區 2">
             <a:extLst>
               <a:ext uri="{FF2B5EF4-FFF2-40B4-BE49-F238E27FC236}">
-                <a16:creationId xmlns:a16="http://schemas.microsoft.com/office/drawing/2014/main" id="{9FDE4E9B-689C-4373-B281-9636BE211982}"/>
+                <a16:creationId xmlns:a16="http://schemas.microsoft.com/office/drawing/2014/main" id="{8D7160F3-B4E4-A5F6-40A3-96EA57628BE7}"/>
               </a:ext>
             </a:extLst>
           </p:cNvPr>
@@ -1318,7 +2542,7 @@
           <p:cNvPr id="4" name="內容版面配置區 3">
             <a:extLst>
               <a:ext uri="{FF2B5EF4-FFF2-40B4-BE49-F238E27FC236}">
-                <a16:creationId xmlns:a16="http://schemas.microsoft.com/office/drawing/2014/main" id="{CD25EC10-0BDA-4ECA-AB8E-059AC3378E22}"/>
+                <a16:creationId xmlns:a16="http://schemas.microsoft.com/office/drawing/2014/main" id="{73A16541-A079-A85B-FA6A-2B5C50274C5B}"/>
               </a:ext>
             </a:extLst>
           </p:cNvPr>
@@ -1380,7 +2604,7 @@
           <p:cNvPr id="5" name="日期版面配置區 4">
             <a:extLst>
               <a:ext uri="{FF2B5EF4-FFF2-40B4-BE49-F238E27FC236}">
-                <a16:creationId xmlns:a16="http://schemas.microsoft.com/office/drawing/2014/main" id="{63DAF127-0983-4C38-869C-C0A513FA9147}"/>
+                <a16:creationId xmlns:a16="http://schemas.microsoft.com/office/drawing/2014/main" id="{77BC4C25-2F73-CEC4-9D78-9313413AB103}"/>
               </a:ext>
             </a:extLst>
           </p:cNvPr>
@@ -1396,9 +2620,9 @@
           <a:bodyPr/>
           <a:lstStyle/>
           <a:p>
-            <a:fld id="{C3C90D7E-32D6-4894-AE08-7BBB3E610FC9}" type="datetimeFigureOut">
+            <a:fld id="{A5A42BAC-EA54-449E-AC26-F9491E1FD411}" type="datetimeFigureOut">
               <a:rPr lang="zh-TW" altLang="en-US" smtClean="0"/>
-              <a:t>2024/9/16</a:t>
+              <a:t>2024/11/1</a:t>
             </a:fld>
             <a:endParaRPr lang="zh-TW" altLang="en-US"/>
           </a:p>
@@ -1409,7 +2633,7 @@
           <p:cNvPr id="6" name="頁尾版面配置區 5">
             <a:extLst>
               <a:ext uri="{FF2B5EF4-FFF2-40B4-BE49-F238E27FC236}">
-                <a16:creationId xmlns:a16="http://schemas.microsoft.com/office/drawing/2014/main" id="{E014CBA6-CCE3-4CF4-8E13-D895EDBD8F25}"/>
+                <a16:creationId xmlns:a16="http://schemas.microsoft.com/office/drawing/2014/main" id="{659C097C-CF2F-5654-2AE0-44E9C831D6F3}"/>
               </a:ext>
             </a:extLst>
           </p:cNvPr>
@@ -1434,7 +2658,7 @@
           <p:cNvPr id="7" name="投影片編號版面配置區 6">
             <a:extLst>
               <a:ext uri="{FF2B5EF4-FFF2-40B4-BE49-F238E27FC236}">
-                <a16:creationId xmlns:a16="http://schemas.microsoft.com/office/drawing/2014/main" id="{5CEAA8E5-79B3-445E-B8C3-29BD56CE6D7A}"/>
+                <a16:creationId xmlns:a16="http://schemas.microsoft.com/office/drawing/2014/main" id="{3B269CCD-9E15-2F64-B053-E680A2131711}"/>
               </a:ext>
             </a:extLst>
           </p:cNvPr>
@@ -1450,7 +2674,7 @@
           <a:bodyPr/>
           <a:lstStyle/>
           <a:p>
-            <a:fld id="{E31EC408-072F-4346-BD0A-D6AA5788A305}" type="slidenum">
+            <a:fld id="{B8CCA854-3F1C-458D-8D43-4E1CF4B32B4F}" type="slidenum">
               <a:rPr lang="zh-TW" altLang="en-US" smtClean="0"/>
               <a:t>‹#›</a:t>
             </a:fld>
@@ -1461,7 +2685,7 @@
     </p:spTree>
     <p:extLst>
       <p:ext uri="{BB962C8B-B14F-4D97-AF65-F5344CB8AC3E}">
-        <p14:creationId xmlns:p14="http://schemas.microsoft.com/office/powerpoint/2010/main" val="3858213488"/>
+        <p14:creationId xmlns:p14="http://schemas.microsoft.com/office/powerpoint/2010/main" val="2693760371"/>
       </p:ext>
     </p:extLst>
   </p:cSld>
@@ -1493,7 +2717,7 @@
           <p:cNvPr id="2" name="標題 1">
             <a:extLst>
               <a:ext uri="{FF2B5EF4-FFF2-40B4-BE49-F238E27FC236}">
-                <a16:creationId xmlns:a16="http://schemas.microsoft.com/office/drawing/2014/main" id="{A00F76B6-8DEC-4A74-A06A-BA0146321CD8}"/>
+                <a16:creationId xmlns:a16="http://schemas.microsoft.com/office/drawing/2014/main" id="{D0D85FD0-A734-B2B7-D06B-1D644F727661}"/>
               </a:ext>
             </a:extLst>
           </p:cNvPr>
@@ -1526,7 +2750,7 @@
           <p:cNvPr id="3" name="文字版面配置區 2">
             <a:extLst>
               <a:ext uri="{FF2B5EF4-FFF2-40B4-BE49-F238E27FC236}">
-                <a16:creationId xmlns:a16="http://schemas.microsoft.com/office/drawing/2014/main" id="{EF00F5C5-99A7-4F16-855A-F170362659F7}"/>
+                <a16:creationId xmlns:a16="http://schemas.microsoft.com/office/drawing/2014/main" id="{75EE7D5E-66BA-9C89-6ACF-DC945F176698}"/>
               </a:ext>
             </a:extLst>
           </p:cNvPr>
@@ -1597,7 +2821,7 @@
           <p:cNvPr id="4" name="內容版面配置區 3">
             <a:extLst>
               <a:ext uri="{FF2B5EF4-FFF2-40B4-BE49-F238E27FC236}">
-                <a16:creationId xmlns:a16="http://schemas.microsoft.com/office/drawing/2014/main" id="{6722BEB2-C9B4-4C14-8234-D17E84349984}"/>
+                <a16:creationId xmlns:a16="http://schemas.microsoft.com/office/drawing/2014/main" id="{BFC6CA1A-A6FF-EA96-935F-590153C9DD0D}"/>
               </a:ext>
             </a:extLst>
           </p:cNvPr>
@@ -1659,7 +2883,7 @@
           <p:cNvPr id="5" name="文字版面配置區 4">
             <a:extLst>
               <a:ext uri="{FF2B5EF4-FFF2-40B4-BE49-F238E27FC236}">
-                <a16:creationId xmlns:a16="http://schemas.microsoft.com/office/drawing/2014/main" id="{E4A41162-A0AC-4211-940F-4B92208F9B0E}"/>
+                <a16:creationId xmlns:a16="http://schemas.microsoft.com/office/drawing/2014/main" id="{090C3B6C-09D0-EAD8-3F04-CE5C4D308A27}"/>
               </a:ext>
             </a:extLst>
           </p:cNvPr>
@@ -1730,7 +2954,7 @@
           <p:cNvPr id="6" name="內容版面配置區 5">
             <a:extLst>
               <a:ext uri="{FF2B5EF4-FFF2-40B4-BE49-F238E27FC236}">
-                <a16:creationId xmlns:a16="http://schemas.microsoft.com/office/drawing/2014/main" id="{E8EA159A-F9D7-4F58-A7C3-6E5B65E42266}"/>
+                <a16:creationId xmlns:a16="http://schemas.microsoft.com/office/drawing/2014/main" id="{0D84CD43-A158-0D44-5B58-76193DA358E3}"/>
               </a:ext>
             </a:extLst>
           </p:cNvPr>
@@ -1792,7 +3016,7 @@
           <p:cNvPr id="7" name="日期版面配置區 6">
             <a:extLst>
               <a:ext uri="{FF2B5EF4-FFF2-40B4-BE49-F238E27FC236}">
-                <a16:creationId xmlns:a16="http://schemas.microsoft.com/office/drawing/2014/main" id="{AE973E80-9141-48B7-A9D7-605A4541768F}"/>
+                <a16:creationId xmlns:a16="http://schemas.microsoft.com/office/drawing/2014/main" id="{9C6E08EE-1C38-522A-591E-1DD797BA9168}"/>
               </a:ext>
             </a:extLst>
           </p:cNvPr>
@@ -1808,9 +3032,9 @@
           <a:bodyPr/>
           <a:lstStyle/>
           <a:p>
-            <a:fld id="{C3C90D7E-32D6-4894-AE08-7BBB3E610FC9}" type="datetimeFigureOut">
+            <a:fld id="{A5A42BAC-EA54-449E-AC26-F9491E1FD411}" type="datetimeFigureOut">
               <a:rPr lang="zh-TW" altLang="en-US" smtClean="0"/>
-              <a:t>2024/9/16</a:t>
+              <a:t>2024/11/1</a:t>
             </a:fld>
             <a:endParaRPr lang="zh-TW" altLang="en-US"/>
           </a:p>
@@ -1821,7 +3045,7 @@
           <p:cNvPr id="8" name="頁尾版面配置區 7">
             <a:extLst>
               <a:ext uri="{FF2B5EF4-FFF2-40B4-BE49-F238E27FC236}">
-                <a16:creationId xmlns:a16="http://schemas.microsoft.com/office/drawing/2014/main" id="{6520B07A-79F8-43E7-8013-632DD2AED223}"/>
+                <a16:creationId xmlns:a16="http://schemas.microsoft.com/office/drawing/2014/main" id="{78F060DB-24B8-BB9C-7524-B61C8C705982}"/>
               </a:ext>
             </a:extLst>
           </p:cNvPr>
@@ -1846,7 +3070,7 @@
           <p:cNvPr id="9" name="投影片編號版面配置區 8">
             <a:extLst>
               <a:ext uri="{FF2B5EF4-FFF2-40B4-BE49-F238E27FC236}">
-                <a16:creationId xmlns:a16="http://schemas.microsoft.com/office/drawing/2014/main" id="{3B997D8F-4F1C-4DE6-A82C-3E0C38ACAE96}"/>
+                <a16:creationId xmlns:a16="http://schemas.microsoft.com/office/drawing/2014/main" id="{2851EE0F-4F1E-D7AC-CF23-6A0DAD4E7461}"/>
               </a:ext>
             </a:extLst>
           </p:cNvPr>
@@ -1862,7 +3086,7 @@
           <a:bodyPr/>
           <a:lstStyle/>
           <a:p>
-            <a:fld id="{E31EC408-072F-4346-BD0A-D6AA5788A305}" type="slidenum">
+            <a:fld id="{B8CCA854-3F1C-458D-8D43-4E1CF4B32B4F}" type="slidenum">
               <a:rPr lang="zh-TW" altLang="en-US" smtClean="0"/>
               <a:t>‹#›</a:t>
             </a:fld>
@@ -1873,7 +3097,7 @@
     </p:spTree>
     <p:extLst>
       <p:ext uri="{BB962C8B-B14F-4D97-AF65-F5344CB8AC3E}">
-        <p14:creationId xmlns:p14="http://schemas.microsoft.com/office/powerpoint/2010/main" val="3379995638"/>
+        <p14:creationId xmlns:p14="http://schemas.microsoft.com/office/powerpoint/2010/main" val="2950130477"/>
       </p:ext>
     </p:extLst>
   </p:cSld>
@@ -1905,7 +3129,7 @@
           <p:cNvPr id="2" name="標題 1">
             <a:extLst>
               <a:ext uri="{FF2B5EF4-FFF2-40B4-BE49-F238E27FC236}">
-                <a16:creationId xmlns:a16="http://schemas.microsoft.com/office/drawing/2014/main" id="{6CE04611-FD10-429D-89AA-73C259B64293}"/>
+                <a16:creationId xmlns:a16="http://schemas.microsoft.com/office/drawing/2014/main" id="{99253B95-FECD-B114-ADB5-2FFB3B50C191}"/>
               </a:ext>
             </a:extLst>
           </p:cNvPr>
@@ -1933,7 +3157,7 @@
           <p:cNvPr id="3" name="日期版面配置區 2">
             <a:extLst>
               <a:ext uri="{FF2B5EF4-FFF2-40B4-BE49-F238E27FC236}">
-                <a16:creationId xmlns:a16="http://schemas.microsoft.com/office/drawing/2014/main" id="{2D9009F3-A280-4DA8-ACC4-187DE2172BCA}"/>
+                <a16:creationId xmlns:a16="http://schemas.microsoft.com/office/drawing/2014/main" id="{B000103B-DD4E-08E4-90B8-8F989AB8E8C1}"/>
               </a:ext>
             </a:extLst>
           </p:cNvPr>
@@ -1949,9 +3173,9 @@
           <a:bodyPr/>
           <a:lstStyle/>
           <a:p>
-            <a:fld id="{C3C90D7E-32D6-4894-AE08-7BBB3E610FC9}" type="datetimeFigureOut">
+            <a:fld id="{A5A42BAC-EA54-449E-AC26-F9491E1FD411}" type="datetimeFigureOut">
               <a:rPr lang="zh-TW" altLang="en-US" smtClean="0"/>
-              <a:t>2024/9/16</a:t>
+              <a:t>2024/11/1</a:t>
             </a:fld>
             <a:endParaRPr lang="zh-TW" altLang="en-US"/>
           </a:p>
@@ -1962,7 +3186,7 @@
           <p:cNvPr id="4" name="頁尾版面配置區 3">
             <a:extLst>
               <a:ext uri="{FF2B5EF4-FFF2-40B4-BE49-F238E27FC236}">
-                <a16:creationId xmlns:a16="http://schemas.microsoft.com/office/drawing/2014/main" id="{F8FD791E-F627-4DDB-AD69-F7639FDD1767}"/>
+                <a16:creationId xmlns:a16="http://schemas.microsoft.com/office/drawing/2014/main" id="{EF04DC0E-DAA2-DE1A-37FA-D28356AB8343}"/>
               </a:ext>
             </a:extLst>
           </p:cNvPr>
@@ -1987,7 +3211,7 @@
           <p:cNvPr id="5" name="投影片編號版面配置區 4">
             <a:extLst>
               <a:ext uri="{FF2B5EF4-FFF2-40B4-BE49-F238E27FC236}">
-                <a16:creationId xmlns:a16="http://schemas.microsoft.com/office/drawing/2014/main" id="{CE9C3C73-9A1B-4A20-B40C-BF8E0726E9AE}"/>
+                <a16:creationId xmlns:a16="http://schemas.microsoft.com/office/drawing/2014/main" id="{DDE3DDF6-AAC0-1BCC-EF3F-DCE3FBFBAF04}"/>
               </a:ext>
             </a:extLst>
           </p:cNvPr>
@@ -2003,7 +3227,7 @@
           <a:bodyPr/>
           <a:lstStyle/>
           <a:p>
-            <a:fld id="{E31EC408-072F-4346-BD0A-D6AA5788A305}" type="slidenum">
+            <a:fld id="{B8CCA854-3F1C-458D-8D43-4E1CF4B32B4F}" type="slidenum">
               <a:rPr lang="zh-TW" altLang="en-US" smtClean="0"/>
               <a:t>‹#›</a:t>
             </a:fld>
@@ -2014,7 +3238,7 @@
     </p:spTree>
     <p:extLst>
       <p:ext uri="{BB962C8B-B14F-4D97-AF65-F5344CB8AC3E}">
-        <p14:creationId xmlns:p14="http://schemas.microsoft.com/office/powerpoint/2010/main" val="3116621787"/>
+        <p14:creationId xmlns:p14="http://schemas.microsoft.com/office/powerpoint/2010/main" val="4033320808"/>
       </p:ext>
     </p:extLst>
   </p:cSld>
@@ -2046,7 +3270,7 @@
           <p:cNvPr id="2" name="日期版面配置區 1">
             <a:extLst>
               <a:ext uri="{FF2B5EF4-FFF2-40B4-BE49-F238E27FC236}">
-                <a16:creationId xmlns:a16="http://schemas.microsoft.com/office/drawing/2014/main" id="{1E1D8EED-F2A7-4221-9887-0DBB62EB3F80}"/>
+                <a16:creationId xmlns:a16="http://schemas.microsoft.com/office/drawing/2014/main" id="{BE964996-093E-4005-37FC-8240E4B450FF}"/>
               </a:ext>
             </a:extLst>
           </p:cNvPr>
@@ -2062,9 +3286,9 @@
           <a:bodyPr/>
           <a:lstStyle/>
           <a:p>
-            <a:fld id="{C3C90D7E-32D6-4894-AE08-7BBB3E610FC9}" type="datetimeFigureOut">
+            <a:fld id="{A5A42BAC-EA54-449E-AC26-F9491E1FD411}" type="datetimeFigureOut">
               <a:rPr lang="zh-TW" altLang="en-US" smtClean="0"/>
-              <a:t>2024/9/16</a:t>
+              <a:t>2024/11/1</a:t>
             </a:fld>
             <a:endParaRPr lang="zh-TW" altLang="en-US"/>
           </a:p>
@@ -2075,7 +3299,7 @@
           <p:cNvPr id="3" name="頁尾版面配置區 2">
             <a:extLst>
               <a:ext uri="{FF2B5EF4-FFF2-40B4-BE49-F238E27FC236}">
-                <a16:creationId xmlns:a16="http://schemas.microsoft.com/office/drawing/2014/main" id="{10593B39-DC86-45A7-85EF-B4DB9C28DC80}"/>
+                <a16:creationId xmlns:a16="http://schemas.microsoft.com/office/drawing/2014/main" id="{E6646FA5-0E8E-BF11-89F1-AA8F284B684E}"/>
               </a:ext>
             </a:extLst>
           </p:cNvPr>
@@ -2100,7 +3324,7 @@
           <p:cNvPr id="4" name="投影片編號版面配置區 3">
             <a:extLst>
               <a:ext uri="{FF2B5EF4-FFF2-40B4-BE49-F238E27FC236}">
-                <a16:creationId xmlns:a16="http://schemas.microsoft.com/office/drawing/2014/main" id="{3D9056B2-6966-4CAF-94D1-2295A737E168}"/>
+                <a16:creationId xmlns:a16="http://schemas.microsoft.com/office/drawing/2014/main" id="{57CC32C2-D945-C77E-E940-8EB2D60FAFFE}"/>
               </a:ext>
             </a:extLst>
           </p:cNvPr>
@@ -2116,7 +3340,7 @@
           <a:bodyPr/>
           <a:lstStyle/>
           <a:p>
-            <a:fld id="{E31EC408-072F-4346-BD0A-D6AA5788A305}" type="slidenum">
+            <a:fld id="{B8CCA854-3F1C-458D-8D43-4E1CF4B32B4F}" type="slidenum">
               <a:rPr lang="zh-TW" altLang="en-US" smtClean="0"/>
               <a:t>‹#›</a:t>
             </a:fld>
@@ -2127,7 +3351,7 @@
     </p:spTree>
     <p:extLst>
       <p:ext uri="{BB962C8B-B14F-4D97-AF65-F5344CB8AC3E}">
-        <p14:creationId xmlns:p14="http://schemas.microsoft.com/office/powerpoint/2010/main" val="3887241942"/>
+        <p14:creationId xmlns:p14="http://schemas.microsoft.com/office/powerpoint/2010/main" val="3117787589"/>
       </p:ext>
     </p:extLst>
   </p:cSld>
@@ -2159,7 +3383,7 @@
           <p:cNvPr id="2" name="標題 1">
             <a:extLst>
               <a:ext uri="{FF2B5EF4-FFF2-40B4-BE49-F238E27FC236}">
-                <a16:creationId xmlns:a16="http://schemas.microsoft.com/office/drawing/2014/main" id="{5C3076DF-D16B-4600-9550-96C6A8DD7F1A}"/>
+                <a16:creationId xmlns:a16="http://schemas.microsoft.com/office/drawing/2014/main" id="{2EAD3E43-80F5-F786-F2C6-6CD95CE44B44}"/>
               </a:ext>
             </a:extLst>
           </p:cNvPr>
@@ -2196,7 +3420,7 @@
           <p:cNvPr id="3" name="內容版面配置區 2">
             <a:extLst>
               <a:ext uri="{FF2B5EF4-FFF2-40B4-BE49-F238E27FC236}">
-                <a16:creationId xmlns:a16="http://schemas.microsoft.com/office/drawing/2014/main" id="{9CD3D667-FDE5-4F5D-9495-588EC18912CE}"/>
+                <a16:creationId xmlns:a16="http://schemas.microsoft.com/office/drawing/2014/main" id="{8724A473-037B-71ED-765A-1B3FFD3E6712}"/>
               </a:ext>
             </a:extLst>
           </p:cNvPr>
@@ -2286,7 +3510,7 @@
           <p:cNvPr id="4" name="文字版面配置區 3">
             <a:extLst>
               <a:ext uri="{FF2B5EF4-FFF2-40B4-BE49-F238E27FC236}">
-                <a16:creationId xmlns:a16="http://schemas.microsoft.com/office/drawing/2014/main" id="{22F511E7-BEEF-4F51-BA0E-52C1908D5608}"/>
+                <a16:creationId xmlns:a16="http://schemas.microsoft.com/office/drawing/2014/main" id="{CCCEC7B3-2CC2-D80D-7890-883BDCCD5A18}"/>
               </a:ext>
             </a:extLst>
           </p:cNvPr>
@@ -2357,7 +3581,7 @@
           <p:cNvPr id="5" name="日期版面配置區 4">
             <a:extLst>
               <a:ext uri="{FF2B5EF4-FFF2-40B4-BE49-F238E27FC236}">
-                <a16:creationId xmlns:a16="http://schemas.microsoft.com/office/drawing/2014/main" id="{88060697-A92E-4178-A790-FCBB90D70573}"/>
+                <a16:creationId xmlns:a16="http://schemas.microsoft.com/office/drawing/2014/main" id="{87716031-7E5B-D490-2041-A21CFAD4D593}"/>
               </a:ext>
             </a:extLst>
           </p:cNvPr>
@@ -2373,9 +3597,9 @@
           <a:bodyPr/>
           <a:lstStyle/>
           <a:p>
-            <a:fld id="{C3C90D7E-32D6-4894-AE08-7BBB3E610FC9}" type="datetimeFigureOut">
+            <a:fld id="{A5A42BAC-EA54-449E-AC26-F9491E1FD411}" type="datetimeFigureOut">
               <a:rPr lang="zh-TW" altLang="en-US" smtClean="0"/>
-              <a:t>2024/9/16</a:t>
+              <a:t>2024/11/1</a:t>
             </a:fld>
             <a:endParaRPr lang="zh-TW" altLang="en-US"/>
           </a:p>
@@ -2386,7 +3610,7 @@
           <p:cNvPr id="6" name="頁尾版面配置區 5">
             <a:extLst>
               <a:ext uri="{FF2B5EF4-FFF2-40B4-BE49-F238E27FC236}">
-                <a16:creationId xmlns:a16="http://schemas.microsoft.com/office/drawing/2014/main" id="{2A8E3F57-A99A-4C4C-BF14-EE42AB99CE78}"/>
+                <a16:creationId xmlns:a16="http://schemas.microsoft.com/office/drawing/2014/main" id="{F1CF7663-49AC-58C8-52AD-A00291EE68A2}"/>
               </a:ext>
             </a:extLst>
           </p:cNvPr>
@@ -2411,7 +3635,7 @@
           <p:cNvPr id="7" name="投影片編號版面配置區 6">
             <a:extLst>
               <a:ext uri="{FF2B5EF4-FFF2-40B4-BE49-F238E27FC236}">
-                <a16:creationId xmlns:a16="http://schemas.microsoft.com/office/drawing/2014/main" id="{39234440-6924-48D7-AC1A-200D5946BCA9}"/>
+                <a16:creationId xmlns:a16="http://schemas.microsoft.com/office/drawing/2014/main" id="{37AD2C96-2F09-B944-5681-B1C2DA80047E}"/>
               </a:ext>
             </a:extLst>
           </p:cNvPr>
@@ -2427,7 +3651,7 @@
           <a:bodyPr/>
           <a:lstStyle/>
           <a:p>
-            <a:fld id="{E31EC408-072F-4346-BD0A-D6AA5788A305}" type="slidenum">
+            <a:fld id="{B8CCA854-3F1C-458D-8D43-4E1CF4B32B4F}" type="slidenum">
               <a:rPr lang="zh-TW" altLang="en-US" smtClean="0"/>
               <a:t>‹#›</a:t>
             </a:fld>
@@ -2438,7 +3662,7 @@
     </p:spTree>
     <p:extLst>
       <p:ext uri="{BB962C8B-B14F-4D97-AF65-F5344CB8AC3E}">
-        <p14:creationId xmlns:p14="http://schemas.microsoft.com/office/powerpoint/2010/main" val="2036183199"/>
+        <p14:creationId xmlns:p14="http://schemas.microsoft.com/office/powerpoint/2010/main" val="1828637212"/>
       </p:ext>
     </p:extLst>
   </p:cSld>
@@ -2470,7 +3694,7 @@
           <p:cNvPr id="2" name="標題 1">
             <a:extLst>
               <a:ext uri="{FF2B5EF4-FFF2-40B4-BE49-F238E27FC236}">
-                <a16:creationId xmlns:a16="http://schemas.microsoft.com/office/drawing/2014/main" id="{B2E81694-0B93-4D65-9DA3-21597478A96C}"/>
+                <a16:creationId xmlns:a16="http://schemas.microsoft.com/office/drawing/2014/main" id="{AF32851C-61DE-D9EF-2413-2CB02224500E}"/>
               </a:ext>
             </a:extLst>
           </p:cNvPr>
@@ -2507,7 +3731,7 @@
           <p:cNvPr id="3" name="圖片版面配置區 2">
             <a:extLst>
               <a:ext uri="{FF2B5EF4-FFF2-40B4-BE49-F238E27FC236}">
-                <a16:creationId xmlns:a16="http://schemas.microsoft.com/office/drawing/2014/main" id="{23E4D718-8CB0-4334-BB8A-FB8B57D7CDC6}"/>
+                <a16:creationId xmlns:a16="http://schemas.microsoft.com/office/drawing/2014/main" id="{140B8B10-954C-0582-FA6E-EB1C7887B212}"/>
               </a:ext>
             </a:extLst>
           </p:cNvPr>
@@ -2574,7 +3798,7 @@
           <p:cNvPr id="4" name="文字版面配置區 3">
             <a:extLst>
               <a:ext uri="{FF2B5EF4-FFF2-40B4-BE49-F238E27FC236}">
-                <a16:creationId xmlns:a16="http://schemas.microsoft.com/office/drawing/2014/main" id="{0DC47463-53E7-4FE3-B60B-1657D11127BD}"/>
+                <a16:creationId xmlns:a16="http://schemas.microsoft.com/office/drawing/2014/main" id="{6E9BADCB-BFBC-5953-A471-C31EB13D7C3D}"/>
               </a:ext>
             </a:extLst>
           </p:cNvPr>
@@ -2645,7 +3869,7 @@
           <p:cNvPr id="5" name="日期版面配置區 4">
             <a:extLst>
               <a:ext uri="{FF2B5EF4-FFF2-40B4-BE49-F238E27FC236}">
-                <a16:creationId xmlns:a16="http://schemas.microsoft.com/office/drawing/2014/main" id="{28875DC5-6AFF-40C0-8C77-F81A0A3E1B0F}"/>
+                <a16:creationId xmlns:a16="http://schemas.microsoft.com/office/drawing/2014/main" id="{DA6B9722-977D-7666-BDD9-3C2BCDEB244D}"/>
               </a:ext>
             </a:extLst>
           </p:cNvPr>
@@ -2661,9 +3885,9 @@
           <a:bodyPr/>
           <a:lstStyle/>
           <a:p>
-            <a:fld id="{C3C90D7E-32D6-4894-AE08-7BBB3E610FC9}" type="datetimeFigureOut">
+            <a:fld id="{A5A42BAC-EA54-449E-AC26-F9491E1FD411}" type="datetimeFigureOut">
               <a:rPr lang="zh-TW" altLang="en-US" smtClean="0"/>
-              <a:t>2024/9/16</a:t>
+              <a:t>2024/11/1</a:t>
             </a:fld>
             <a:endParaRPr lang="zh-TW" altLang="en-US"/>
           </a:p>
@@ -2674,7 +3898,7 @@
           <p:cNvPr id="6" name="頁尾版面配置區 5">
             <a:extLst>
               <a:ext uri="{FF2B5EF4-FFF2-40B4-BE49-F238E27FC236}">
-                <a16:creationId xmlns:a16="http://schemas.microsoft.com/office/drawing/2014/main" id="{24F8A973-6D07-4F0C-97A0-280FEFC238E0}"/>
+                <a16:creationId xmlns:a16="http://schemas.microsoft.com/office/drawing/2014/main" id="{9F3B21E0-8182-1249-3252-23419B5B7FCE}"/>
               </a:ext>
             </a:extLst>
           </p:cNvPr>
@@ -2699,7 +3923,7 @@
           <p:cNvPr id="7" name="投影片編號版面配置區 6">
             <a:extLst>
               <a:ext uri="{FF2B5EF4-FFF2-40B4-BE49-F238E27FC236}">
-                <a16:creationId xmlns:a16="http://schemas.microsoft.com/office/drawing/2014/main" id="{DB60BB1E-F41B-40F0-929B-5208374980BF}"/>
+                <a16:creationId xmlns:a16="http://schemas.microsoft.com/office/drawing/2014/main" id="{F15EA4B3-233C-5514-C8A3-7D9A4200F7DA}"/>
               </a:ext>
             </a:extLst>
           </p:cNvPr>
@@ -2715,7 +3939,7 @@
           <a:bodyPr/>
           <a:lstStyle/>
           <a:p>
-            <a:fld id="{E31EC408-072F-4346-BD0A-D6AA5788A305}" type="slidenum">
+            <a:fld id="{B8CCA854-3F1C-458D-8D43-4E1CF4B32B4F}" type="slidenum">
               <a:rPr lang="zh-TW" altLang="en-US" smtClean="0"/>
               <a:t>‹#›</a:t>
             </a:fld>
@@ -2726,7 +3950,7 @@
     </p:spTree>
     <p:extLst>
       <p:ext uri="{BB962C8B-B14F-4D97-AF65-F5344CB8AC3E}">
-        <p14:creationId xmlns:p14="http://schemas.microsoft.com/office/powerpoint/2010/main" val="3148270851"/>
+        <p14:creationId xmlns:p14="http://schemas.microsoft.com/office/powerpoint/2010/main" val="3232026768"/>
       </p:ext>
     </p:extLst>
   </p:cSld>
@@ -2740,9 +3964,20 @@
 <p:sldMaster xmlns:a="http://schemas.openxmlformats.org/drawingml/2006/main" xmlns:r="http://schemas.openxmlformats.org/officeDocument/2006/relationships" xmlns:p="http://schemas.openxmlformats.org/presentationml/2006/main">
   <p:cSld>
     <p:bg>
-      <p:bgRef idx="1001">
-        <a:schemeClr val="bg1"/>
-      </p:bgRef>
+      <p:bgPr>
+        <a:pattFill prst="pct5">
+          <a:fgClr>
+            <a:schemeClr val="tx2">
+              <a:lumMod val="90000"/>
+              <a:lumOff val="10000"/>
+            </a:schemeClr>
+          </a:fgClr>
+          <a:bgClr>
+            <a:schemeClr val="bg1"/>
+          </a:bgClr>
+        </a:pattFill>
+        <a:effectLst/>
+      </p:bgPr>
     </p:bg>
     <p:spTree>
       <p:nvGrpSpPr>
@@ -2763,7 +3998,7 @@
           <p:cNvPr id="2" name="標題版面配置區 1">
             <a:extLst>
               <a:ext uri="{FF2B5EF4-FFF2-40B4-BE49-F238E27FC236}">
-                <a16:creationId xmlns:a16="http://schemas.microsoft.com/office/drawing/2014/main" id="{B8575AAC-624C-4B52-ABD4-699B1E35D2CF}"/>
+                <a16:creationId xmlns:a16="http://schemas.microsoft.com/office/drawing/2014/main" id="{7B3216FD-B522-5D9A-4AC9-67E753170328}"/>
               </a:ext>
             </a:extLst>
           </p:cNvPr>
@@ -2801,7 +4036,7 @@
           <p:cNvPr id="3" name="文字版面配置區 2">
             <a:extLst>
               <a:ext uri="{FF2B5EF4-FFF2-40B4-BE49-F238E27FC236}">
-                <a16:creationId xmlns:a16="http://schemas.microsoft.com/office/drawing/2014/main" id="{76722991-C57D-471F-8271-C419A1CFB074}"/>
+                <a16:creationId xmlns:a16="http://schemas.microsoft.com/office/drawing/2014/main" id="{6EE4FCE9-2388-219E-C944-82B768A5648C}"/>
               </a:ext>
             </a:extLst>
           </p:cNvPr>
@@ -2868,7 +4103,7 @@
           <p:cNvPr id="4" name="日期版面配置區 3">
             <a:extLst>
               <a:ext uri="{FF2B5EF4-FFF2-40B4-BE49-F238E27FC236}">
-                <a16:creationId xmlns:a16="http://schemas.microsoft.com/office/drawing/2014/main" id="{85C839DD-8CBF-4E23-A0C7-7C039E950BB8}"/>
+                <a16:creationId xmlns:a16="http://schemas.microsoft.com/office/drawing/2014/main" id="{100FB763-640B-B12A-C48E-475937627984}"/>
               </a:ext>
             </a:extLst>
           </p:cNvPr>
@@ -2895,16 +4130,16 @@
               <a:defRPr sz="1200">
                 <a:solidFill>
                   <a:schemeClr val="tx1">
-                    <a:tint val="75000"/>
+                    <a:tint val="82000"/>
                   </a:schemeClr>
                 </a:solidFill>
               </a:defRPr>
             </a:lvl1pPr>
           </a:lstStyle>
           <a:p>
-            <a:fld id="{C3C90D7E-32D6-4894-AE08-7BBB3E610FC9}" type="datetimeFigureOut">
+            <a:fld id="{A5A42BAC-EA54-449E-AC26-F9491E1FD411}" type="datetimeFigureOut">
               <a:rPr lang="zh-TW" altLang="en-US" smtClean="0"/>
-              <a:t>2024/9/16</a:t>
+              <a:t>2024/11/1</a:t>
             </a:fld>
             <a:endParaRPr lang="zh-TW" altLang="en-US"/>
           </a:p>
@@ -2915,7 +4150,7 @@
           <p:cNvPr id="5" name="頁尾版面配置區 4">
             <a:extLst>
               <a:ext uri="{FF2B5EF4-FFF2-40B4-BE49-F238E27FC236}">
-                <a16:creationId xmlns:a16="http://schemas.microsoft.com/office/drawing/2014/main" id="{12802D8A-77D4-418C-8190-43B6ADED2131}"/>
+                <a16:creationId xmlns:a16="http://schemas.microsoft.com/office/drawing/2014/main" id="{973E3450-DB75-A17C-DA52-3F14768B51C5}"/>
               </a:ext>
             </a:extLst>
           </p:cNvPr>
@@ -2942,7 +4177,7 @@
               <a:defRPr sz="1200">
                 <a:solidFill>
                   <a:schemeClr val="tx1">
-                    <a:tint val="75000"/>
+                    <a:tint val="82000"/>
                   </a:schemeClr>
                 </a:solidFill>
               </a:defRPr>
@@ -2958,7 +4193,7 @@
           <p:cNvPr id="6" name="投影片編號版面配置區 5">
             <a:extLst>
               <a:ext uri="{FF2B5EF4-FFF2-40B4-BE49-F238E27FC236}">
-                <a16:creationId xmlns:a16="http://schemas.microsoft.com/office/drawing/2014/main" id="{7072B55E-2BE2-4AF4-AFF8-2A716F492F1C}"/>
+                <a16:creationId xmlns:a16="http://schemas.microsoft.com/office/drawing/2014/main" id="{EC22A6FA-48C6-7C74-CF39-ACC9145B184A}"/>
               </a:ext>
             </a:extLst>
           </p:cNvPr>
@@ -2985,14 +4220,14 @@
               <a:defRPr sz="1200">
                 <a:solidFill>
                   <a:schemeClr val="tx1">
-                    <a:tint val="75000"/>
+                    <a:tint val="82000"/>
                   </a:schemeClr>
                 </a:solidFill>
               </a:defRPr>
             </a:lvl1pPr>
           </a:lstStyle>
           <a:p>
-            <a:fld id="{E31EC408-072F-4346-BD0A-D6AA5788A305}" type="slidenum">
+            <a:fld id="{B8CCA854-3F1C-458D-8D43-4E1CF4B32B4F}" type="slidenum">
               <a:rPr lang="zh-TW" altLang="en-US" smtClean="0"/>
               <a:t>‹#›</a:t>
             </a:fld>
@@ -3003,7 +4238,7 @@
     </p:spTree>
     <p:extLst>
       <p:ext uri="{BB962C8B-B14F-4D97-AF65-F5344CB8AC3E}">
-        <p14:creationId xmlns:p14="http://schemas.microsoft.com/office/powerpoint/2010/main" val="2016052060"/>
+        <p14:creationId xmlns:p14="http://schemas.microsoft.com/office/powerpoint/2010/main" val="1930623910"/>
       </p:ext>
     </p:extLst>
   </p:cSld>
@@ -3307,6 +4542,19 @@
 <file path=ppt/slides/slide1.xml><?xml version="1.0" encoding="utf-8"?>
 <p:sld xmlns:a="http://schemas.openxmlformats.org/drawingml/2006/main" xmlns:r="http://schemas.openxmlformats.org/officeDocument/2006/relationships" xmlns:p="http://schemas.openxmlformats.org/presentationml/2006/main">
   <p:cSld>
+    <p:bg>
+      <p:bgPr>
+        <a:pattFill prst="pct5">
+          <a:fgClr>
+            <a:srgbClr val="0C4842"/>
+          </a:fgClr>
+          <a:bgClr>
+            <a:schemeClr val="bg1"/>
+          </a:bgClr>
+        </a:pattFill>
+        <a:effectLst/>
+      </p:bgPr>
+    </p:bg>
     <p:spTree>
       <p:nvGrpSpPr>
         <p:cNvPr id="1" name=""/>
@@ -3326,7 +4574,7 @@
           <p:cNvPr id="2" name="標題 1">
             <a:extLst>
               <a:ext uri="{FF2B5EF4-FFF2-40B4-BE49-F238E27FC236}">
-                <a16:creationId xmlns:a16="http://schemas.microsoft.com/office/drawing/2014/main" id="{32532283-9F93-4E44-8138-32796965361F}"/>
+                <a16:creationId xmlns:a16="http://schemas.microsoft.com/office/drawing/2014/main" id="{1937D791-EFB0-D7A3-AEEF-FC8B6F779A5C}"/>
               </a:ext>
             </a:extLst>
           </p:cNvPr>
@@ -3337,36 +4585,223 @@
             <p:ph type="ctrTitle"/>
           </p:nvPr>
         </p:nvSpPr>
-        <p:spPr/>
-        <p:txBody>
-          <a:bodyPr/>
-          <a:lstStyle/>
-          <a:p>
+        <p:spPr>
+          <a:xfrm>
+            <a:off x="866775" y="2120901"/>
+            <a:ext cx="4572000" cy="1655762"/>
+          </a:xfrm>
+        </p:spPr>
+        <p:txBody>
+          <a:bodyPr>
+            <a:normAutofit/>
+          </a:bodyPr>
+          <a:lstStyle/>
+          <a:p>
+            <a:r>
+              <a:rPr lang="zh-TW" altLang="en-US" sz="8000" dirty="0">
+                <a:latin typeface="cjkFonts 全瀨體" panose="02000600000000000000" pitchFamily="2" charset="-120"/>
+                <a:ea typeface="cjkFonts 全瀨體" panose="02000600000000000000" pitchFamily="2" charset="-120"/>
+                <a:cs typeface="cjkFonts 全瀨體" panose="02000600000000000000" pitchFamily="2" charset="-120"/>
+              </a:rPr>
+              <a:t>自我介紹</a:t>
+            </a:r>
+          </a:p>
+        </p:txBody>
+      </p:sp>
+      <p:pic>
+        <p:nvPicPr>
+          <p:cNvPr id="1026" name="Picture 2">
+            <a:extLst>
+              <a:ext uri="{FF2B5EF4-FFF2-40B4-BE49-F238E27FC236}">
+                <a16:creationId xmlns:a16="http://schemas.microsoft.com/office/drawing/2014/main" id="{B0675456-0B68-F7CA-B58D-4A6E5854BA3F}"/>
+              </a:ext>
+            </a:extLst>
+          </p:cNvPr>
+          <p:cNvPicPr>
+            <a:picLocks noChangeAspect="1" noChangeArrowheads="1"/>
+          </p:cNvPicPr>
+          <p:nvPr/>
+        </p:nvPicPr>
+        <p:blipFill>
+          <a:blip r:embed="rId2">
+            <a:extLst>
+              <a:ext uri="{28A0092B-C50C-407E-A947-70E740481C1C}">
+                <a14:useLocalDpi xmlns:a14="http://schemas.microsoft.com/office/drawing/2010/main" val="0"/>
+              </a:ext>
+            </a:extLst>
+          </a:blip>
+          <a:srcRect/>
+          <a:stretch>
+            <a:fillRect/>
+          </a:stretch>
+        </p:blipFill>
+        <p:spPr bwMode="auto">
+          <a:xfrm>
+            <a:off x="4631188" y="3141353"/>
+            <a:ext cx="635310" cy="635310"/>
+          </a:xfrm>
+          <a:prstGeom prst="rect">
+            <a:avLst/>
+          </a:prstGeom>
+          <a:noFill/>
+          <a:extLst>
+            <a:ext uri="{909E8E84-426E-40DD-AFC4-6F175D3DCCD1}">
+              <a14:hiddenFill xmlns:a14="http://schemas.microsoft.com/office/drawing/2010/main">
+                <a:solidFill>
+                  <a:srgbClr val="FFFFFF"/>
+                </a:solidFill>
+              </a14:hiddenFill>
+            </a:ext>
+          </a:extLst>
+        </p:spPr>
+      </p:pic>
+      <p:pic>
+        <p:nvPicPr>
+          <p:cNvPr id="1028" name="Picture 4" descr="フルーツのマーク（みかん）">
+            <a:extLst>
+              <a:ext uri="{FF2B5EF4-FFF2-40B4-BE49-F238E27FC236}">
+                <a16:creationId xmlns:a16="http://schemas.microsoft.com/office/drawing/2014/main" id="{170A6C4D-8F85-3F79-FDC2-E974877A4889}"/>
+              </a:ext>
+            </a:extLst>
+          </p:cNvPr>
+          <p:cNvPicPr>
+            <a:picLocks noChangeAspect="1" noChangeArrowheads="1"/>
+          </p:cNvPicPr>
+          <p:nvPr/>
+        </p:nvPicPr>
+        <p:blipFill>
+          <a:blip r:embed="rId3">
+            <a:extLst>
+              <a:ext uri="{28A0092B-C50C-407E-A947-70E740481C1C}">
+                <a14:useLocalDpi xmlns:a14="http://schemas.microsoft.com/office/drawing/2010/main" val="0"/>
+              </a:ext>
+            </a:extLst>
+          </a:blip>
+          <a:srcRect/>
+          <a:stretch>
+            <a:fillRect/>
+          </a:stretch>
+        </p:blipFill>
+        <p:spPr bwMode="auto">
+          <a:xfrm>
+            <a:off x="1070881" y="2620830"/>
+            <a:ext cx="1065830" cy="1065830"/>
+          </a:xfrm>
+          <a:prstGeom prst="rect">
+            <a:avLst/>
+          </a:prstGeom>
+          <a:noFill/>
+          <a:extLst>
+            <a:ext uri="{909E8E84-426E-40DD-AFC4-6F175D3DCCD1}">
+              <a14:hiddenFill xmlns:a14="http://schemas.microsoft.com/office/drawing/2010/main">
+                <a:solidFill>
+                  <a:srgbClr val="FFFFFF"/>
+                </a:solidFill>
+              </a14:hiddenFill>
+            </a:ext>
+          </a:extLst>
+        </p:spPr>
+      </p:pic>
+      <p:sp>
+        <p:nvSpPr>
+          <p:cNvPr id="3" name="矩形 2">
+            <a:extLst>
+              <a:ext uri="{FF2B5EF4-FFF2-40B4-BE49-F238E27FC236}">
+                <a16:creationId xmlns:a16="http://schemas.microsoft.com/office/drawing/2014/main" id="{CE8054D4-A991-CB69-A26E-8FD44BF34AC1}"/>
+              </a:ext>
+            </a:extLst>
+          </p:cNvPr>
+          <p:cNvSpPr/>
+          <p:nvPr/>
+        </p:nvSpPr>
+        <p:spPr>
+          <a:xfrm>
+            <a:off x="1194318" y="3017487"/>
+            <a:ext cx="811764" cy="111659"/>
+          </a:xfrm>
+          <a:prstGeom prst="rect">
+            <a:avLst/>
+          </a:prstGeom>
+          <a:solidFill>
+            <a:srgbClr val="D15E15"/>
+          </a:solidFill>
+          <a:ln>
+            <a:noFill/>
+          </a:ln>
+        </p:spPr>
+        <p:style>
+          <a:lnRef idx="2">
+            <a:schemeClr val="accent1">
+              <a:shade val="15000"/>
+            </a:schemeClr>
+          </a:lnRef>
+          <a:fillRef idx="1">
+            <a:schemeClr val="accent1"/>
+          </a:fillRef>
+          <a:effectRef idx="0">
+            <a:schemeClr val="accent1"/>
+          </a:effectRef>
+          <a:fontRef idx="minor">
+            <a:schemeClr val="lt1"/>
+          </a:fontRef>
+        </p:style>
+        <p:txBody>
+          <a:bodyPr rtlCol="0" anchor="ctr"/>
+          <a:lstStyle/>
+          <a:p>
+            <a:pPr algn="ctr"/>
             <a:endParaRPr lang="zh-TW" altLang="en-US"/>
           </a:p>
         </p:txBody>
       </p:sp>
       <p:sp>
         <p:nvSpPr>
-          <p:cNvPr id="3" name="副標題 2">
-            <a:extLst>
-              <a:ext uri="{FF2B5EF4-FFF2-40B4-BE49-F238E27FC236}">
-                <a16:creationId xmlns:a16="http://schemas.microsoft.com/office/drawing/2014/main" id="{8C946F38-524D-4B98-B9CB-80AEE57E455A}"/>
-              </a:ext>
-            </a:extLst>
-          </p:cNvPr>
-          <p:cNvSpPr>
-            <a:spLocks noGrp="1"/>
-          </p:cNvSpPr>
-          <p:nvPr>
-            <p:ph type="subTitle" idx="1"/>
-          </p:nvPr>
-        </p:nvSpPr>
-        <p:spPr/>
-        <p:txBody>
-          <a:bodyPr/>
-          <a:lstStyle/>
-          <a:p>
+          <p:cNvPr id="4" name="矩形 3">
+            <a:extLst>
+              <a:ext uri="{FF2B5EF4-FFF2-40B4-BE49-F238E27FC236}">
+                <a16:creationId xmlns:a16="http://schemas.microsoft.com/office/drawing/2014/main" id="{A87491A6-3D60-F381-1654-D245B50D8F5C}"/>
+              </a:ext>
+            </a:extLst>
+          </p:cNvPr>
+          <p:cNvSpPr/>
+          <p:nvPr/>
+        </p:nvSpPr>
+        <p:spPr>
+          <a:xfrm>
+            <a:off x="1194318" y="3300755"/>
+            <a:ext cx="811764" cy="111659"/>
+          </a:xfrm>
+          <a:prstGeom prst="rect">
+            <a:avLst/>
+          </a:prstGeom>
+          <a:solidFill>
+            <a:srgbClr val="D15E15"/>
+          </a:solidFill>
+          <a:ln>
+            <a:noFill/>
+          </a:ln>
+        </p:spPr>
+        <p:style>
+          <a:lnRef idx="2">
+            <a:schemeClr val="accent1">
+              <a:shade val="15000"/>
+            </a:schemeClr>
+          </a:lnRef>
+          <a:fillRef idx="1">
+            <a:schemeClr val="accent1"/>
+          </a:fillRef>
+          <a:effectRef idx="0">
+            <a:schemeClr val="accent1"/>
+          </a:effectRef>
+          <a:fontRef idx="minor">
+            <a:schemeClr val="lt1"/>
+          </a:fontRef>
+        </p:style>
+        <p:txBody>
+          <a:bodyPr rtlCol="0" anchor="ctr"/>
+          <a:lstStyle/>
+          <a:p>
+            <a:pPr algn="ctr"/>
             <a:endParaRPr lang="zh-TW" altLang="en-US"/>
           </a:p>
         </p:txBody>
@@ -3374,7 +4809,1267 @@
     </p:spTree>
     <p:extLst>
       <p:ext uri="{BB962C8B-B14F-4D97-AF65-F5344CB8AC3E}">
-        <p14:creationId xmlns:p14="http://schemas.microsoft.com/office/powerpoint/2010/main" val="1328321055"/>
+        <p14:creationId xmlns:p14="http://schemas.microsoft.com/office/powerpoint/2010/main" val="2589639491"/>
+      </p:ext>
+    </p:extLst>
+  </p:cSld>
+  <p:clrMapOvr>
+    <a:masterClrMapping/>
+  </p:clrMapOvr>
+</p:sld>
+</file>
+
+<file path=ppt/slides/slide2.xml><?xml version="1.0" encoding="utf-8"?>
+<p:sld xmlns:a="http://schemas.openxmlformats.org/drawingml/2006/main" xmlns:r="http://schemas.openxmlformats.org/officeDocument/2006/relationships" xmlns:p="http://schemas.openxmlformats.org/presentationml/2006/main">
+  <p:cSld>
+    <p:bg>
+      <p:bgPr>
+        <a:pattFill prst="ltVert">
+          <a:fgClr>
+            <a:srgbClr val="FFC408"/>
+          </a:fgClr>
+          <a:bgClr>
+            <a:schemeClr val="bg1"/>
+          </a:bgClr>
+        </a:pattFill>
+        <a:effectLst/>
+      </p:bgPr>
+    </p:bg>
+    <p:spTree>
+      <p:nvGrpSpPr>
+        <p:cNvPr id="1" name=""/>
+        <p:cNvGrpSpPr/>
+        <p:nvPr/>
+      </p:nvGrpSpPr>
+      <p:grpSpPr>
+        <a:xfrm>
+          <a:off x="0" y="0"/>
+          <a:ext cx="0" cy="0"/>
+          <a:chOff x="0" y="0"/>
+          <a:chExt cx="0" cy="0"/>
+        </a:xfrm>
+      </p:grpSpPr>
+      <p:sp>
+        <p:nvSpPr>
+          <p:cNvPr id="2" name="標題 1">
+            <a:extLst>
+              <a:ext uri="{FF2B5EF4-FFF2-40B4-BE49-F238E27FC236}">
+                <a16:creationId xmlns:a16="http://schemas.microsoft.com/office/drawing/2014/main" id="{9508C17E-F981-2A7D-BAA9-A8141E7EF4D1}"/>
+              </a:ext>
+            </a:extLst>
+          </p:cNvPr>
+          <p:cNvSpPr>
+            <a:spLocks noGrp="1"/>
+          </p:cNvSpPr>
+          <p:nvPr>
+            <p:ph type="title"/>
+          </p:nvPr>
+        </p:nvSpPr>
+        <p:spPr>
+          <a:xfrm>
+            <a:off x="530290" y="589060"/>
+            <a:ext cx="3304592" cy="1325563"/>
+          </a:xfrm>
+        </p:spPr>
+        <p:txBody>
+          <a:bodyPr>
+            <a:normAutofit/>
+          </a:bodyPr>
+          <a:lstStyle/>
+          <a:p>
+            <a:r>
+              <a:rPr lang="en-US" altLang="zh-TW" sz="6000" dirty="0">
+                <a:latin typeface="cjkFonts 全瀨體" panose="02000600000000000000" pitchFamily="2" charset="-120"/>
+                <a:ea typeface="cjkFonts 全瀨體" panose="02000600000000000000" pitchFamily="2" charset="-120"/>
+                <a:cs typeface="cjkFonts 全瀨體" panose="02000600000000000000" pitchFamily="2" charset="-120"/>
+              </a:rPr>
+              <a:t>1.</a:t>
+            </a:r>
+            <a:r>
+              <a:rPr lang="zh-TW" altLang="en-US" sz="6000" dirty="0">
+                <a:latin typeface="cjkFonts 全瀨體" panose="02000600000000000000" pitchFamily="2" charset="-120"/>
+                <a:ea typeface="cjkFonts 全瀨體" panose="02000600000000000000" pitchFamily="2" charset="-120"/>
+                <a:cs typeface="cjkFonts 全瀨體" panose="02000600000000000000" pitchFamily="2" charset="-120"/>
+              </a:rPr>
+              <a:t>目標</a:t>
+            </a:r>
+          </a:p>
+        </p:txBody>
+      </p:sp>
+      <p:pic>
+        <p:nvPicPr>
+          <p:cNvPr id="1026" name="Picture 2" descr="日本動畫風格 黑色短髮黃瞳少女身穿紅色連帽長袖衣在工廠生產線上工作">
+            <a:extLst>
+              <a:ext uri="{FF2B5EF4-FFF2-40B4-BE49-F238E27FC236}">
+                <a16:creationId xmlns:a16="http://schemas.microsoft.com/office/drawing/2014/main" id="{9908C850-9516-CBB3-756B-F6B35D951790}"/>
+              </a:ext>
+            </a:extLst>
+          </p:cNvPr>
+          <p:cNvPicPr>
+            <a:picLocks noChangeAspect="1" noChangeArrowheads="1"/>
+          </p:cNvPicPr>
+          <p:nvPr/>
+        </p:nvPicPr>
+        <p:blipFill>
+          <a:blip r:embed="rId4">
+            <a:extLst>
+              <a:ext uri="{28A0092B-C50C-407E-A947-70E740481C1C}">
+                <a14:useLocalDpi xmlns:a14="http://schemas.microsoft.com/office/drawing/2010/main" val="0"/>
+              </a:ext>
+            </a:extLst>
+          </a:blip>
+          <a:srcRect/>
+          <a:stretch>
+            <a:fillRect/>
+          </a:stretch>
+        </p:blipFill>
+        <p:spPr bwMode="auto">
+          <a:xfrm>
+            <a:off x="738807" y="1954378"/>
+            <a:ext cx="4628324" cy="4628324"/>
+          </a:xfrm>
+          <a:prstGeom prst="rect">
+            <a:avLst/>
+          </a:prstGeom>
+          <a:noFill/>
+          <a:extLst>
+            <a:ext uri="{909E8E84-426E-40DD-AFC4-6F175D3DCCD1}">
+              <a14:hiddenFill xmlns:a14="http://schemas.microsoft.com/office/drawing/2010/main">
+                <a:solidFill>
+                  <a:srgbClr val="FFFFFF"/>
+                </a:solidFill>
+              </a14:hiddenFill>
+            </a:ext>
+          </a:extLst>
+        </p:spPr>
+      </p:pic>
+    </p:spTree>
+    <p:extLst>
+      <p:ext uri="{BB962C8B-B14F-4D97-AF65-F5344CB8AC3E}">
+        <p14:creationId xmlns:p14="http://schemas.microsoft.com/office/powerpoint/2010/main" val="2439165454"/>
+      </p:ext>
+    </p:extLst>
+  </p:cSld>
+  <p:clrMapOvr>
+    <a:masterClrMapping/>
+  </p:clrMapOvr>
+  <p:extLst>
+    <p:ext uri="{6950BFC3-D8DA-4A85-94F7-54DA5524770B}">
+      <p188:commentRel xmlns:p188="http://schemas.microsoft.com/office/powerpoint/2018/8/main" r:id="rId3"/>
+    </p:ext>
+  </p:extLst>
+</p:sld>
+</file>
+
+<file path=ppt/slides/slide3.xml><?xml version="1.0" encoding="utf-8"?>
+<p:sld xmlns:a="http://schemas.openxmlformats.org/drawingml/2006/main" xmlns:r="http://schemas.openxmlformats.org/officeDocument/2006/relationships" xmlns:p="http://schemas.openxmlformats.org/presentationml/2006/main">
+  <p:cSld>
+    <p:spTree>
+      <p:nvGrpSpPr>
+        <p:cNvPr id="1" name=""/>
+        <p:cNvGrpSpPr/>
+        <p:nvPr/>
+      </p:nvGrpSpPr>
+      <p:grpSpPr>
+        <a:xfrm>
+          <a:off x="0" y="0"/>
+          <a:ext cx="0" cy="0"/>
+          <a:chOff x="0" y="0"/>
+          <a:chExt cx="0" cy="0"/>
+        </a:xfrm>
+      </p:grpSpPr>
+      <p:sp>
+        <p:nvSpPr>
+          <p:cNvPr id="2" name="標題 1">
+            <a:extLst>
+              <a:ext uri="{FF2B5EF4-FFF2-40B4-BE49-F238E27FC236}">
+                <a16:creationId xmlns:a16="http://schemas.microsoft.com/office/drawing/2014/main" id="{9508C17E-F981-2A7D-BAA9-A8141E7EF4D1}"/>
+              </a:ext>
+            </a:extLst>
+          </p:cNvPr>
+          <p:cNvSpPr>
+            <a:spLocks noGrp="1"/>
+          </p:cNvSpPr>
+          <p:nvPr>
+            <p:ph type="title"/>
+          </p:nvPr>
+        </p:nvSpPr>
+        <p:spPr>
+          <a:xfrm>
+            <a:off x="408992" y="570399"/>
+            <a:ext cx="3304592" cy="1325563"/>
+          </a:xfrm>
+        </p:spPr>
+        <p:txBody>
+          <a:bodyPr>
+            <a:normAutofit/>
+          </a:bodyPr>
+          <a:lstStyle/>
+          <a:p>
+            <a:r>
+              <a:rPr lang="en-US" altLang="zh-TW" sz="6000" dirty="0">
+                <a:latin typeface="cjkFonts 全瀨體" panose="02000600000000000000" pitchFamily="2" charset="-120"/>
+                <a:ea typeface="cjkFonts 全瀨體" panose="02000600000000000000" pitchFamily="2" charset="-120"/>
+                <a:cs typeface="cjkFonts 全瀨體" panose="02000600000000000000" pitchFamily="2" charset="-120"/>
+              </a:rPr>
+              <a:t>2.</a:t>
+            </a:r>
+            <a:r>
+              <a:rPr lang="zh-TW" altLang="en-US" sz="6000" dirty="0">
+                <a:latin typeface="cjkFonts 全瀨體" panose="02000600000000000000" pitchFamily="2" charset="-120"/>
+                <a:ea typeface="cjkFonts 全瀨體" panose="02000600000000000000" pitchFamily="2" charset="-120"/>
+                <a:cs typeface="cjkFonts 全瀨體" panose="02000600000000000000" pitchFamily="2" charset="-120"/>
+              </a:rPr>
+              <a:t>阻礙</a:t>
+            </a:r>
+          </a:p>
+        </p:txBody>
+      </p:sp>
+      <p:pic>
+        <p:nvPicPr>
+          <p:cNvPr id="2050" name="Picture 2" descr="日本動畫風格 黑色短髮黃瞳少女身穿紅色連帽長袖衣在工廠中緊張地跑步">
+            <a:extLst>
+              <a:ext uri="{FF2B5EF4-FFF2-40B4-BE49-F238E27FC236}">
+                <a16:creationId xmlns:a16="http://schemas.microsoft.com/office/drawing/2014/main" id="{F10200E5-C3DB-9232-867E-1AED4A7B1DA5}"/>
+              </a:ext>
+            </a:extLst>
+          </p:cNvPr>
+          <p:cNvPicPr>
+            <a:picLocks noChangeAspect="1" noChangeArrowheads="1"/>
+          </p:cNvPicPr>
+          <p:nvPr/>
+        </p:nvPicPr>
+        <p:blipFill>
+          <a:blip r:embed="rId4">
+            <a:extLst>
+              <a:ext uri="{28A0092B-C50C-407E-A947-70E740481C1C}">
+                <a14:useLocalDpi xmlns:a14="http://schemas.microsoft.com/office/drawing/2010/main" val="0"/>
+              </a:ext>
+            </a:extLst>
+          </a:blip>
+          <a:srcRect/>
+          <a:stretch>
+            <a:fillRect/>
+          </a:stretch>
+        </p:blipFill>
+        <p:spPr bwMode="auto">
+          <a:xfrm>
+            <a:off x="559903" y="1895961"/>
+            <a:ext cx="4564473" cy="4564473"/>
+          </a:xfrm>
+          <a:prstGeom prst="rect">
+            <a:avLst/>
+          </a:prstGeom>
+          <a:noFill/>
+          <a:extLst>
+            <a:ext uri="{909E8E84-426E-40DD-AFC4-6F175D3DCCD1}">
+              <a14:hiddenFill xmlns:a14="http://schemas.microsoft.com/office/drawing/2010/main">
+                <a:solidFill>
+                  <a:srgbClr val="FFFFFF"/>
+                </a:solidFill>
+              </a14:hiddenFill>
+            </a:ext>
+          </a:extLst>
+        </p:spPr>
+      </p:pic>
+    </p:spTree>
+    <p:extLst>
+      <p:ext uri="{BB962C8B-B14F-4D97-AF65-F5344CB8AC3E}">
+        <p14:creationId xmlns:p14="http://schemas.microsoft.com/office/powerpoint/2010/main" val="1640505880"/>
+      </p:ext>
+    </p:extLst>
+  </p:cSld>
+  <p:clrMapOvr>
+    <a:masterClrMapping/>
+  </p:clrMapOvr>
+  <p:extLst>
+    <p:ext uri="{6950BFC3-D8DA-4A85-94F7-54DA5524770B}">
+      <p188:commentRel xmlns:p188="http://schemas.microsoft.com/office/powerpoint/2018/8/main" r:id="rId3"/>
+    </p:ext>
+  </p:extLst>
+</p:sld>
+</file>
+
+<file path=ppt/slides/slide4.xml><?xml version="1.0" encoding="utf-8"?>
+<p:sld xmlns:a="http://schemas.openxmlformats.org/drawingml/2006/main" xmlns:r="http://schemas.openxmlformats.org/officeDocument/2006/relationships" xmlns:p="http://schemas.openxmlformats.org/presentationml/2006/main">
+  <p:cSld>
+    <p:bg>
+      <p:bgPr>
+        <a:pattFill prst="ltVert">
+          <a:fgClr>
+            <a:srgbClr val="FFC408"/>
+          </a:fgClr>
+          <a:bgClr>
+            <a:schemeClr val="bg1"/>
+          </a:bgClr>
+        </a:pattFill>
+        <a:effectLst/>
+      </p:bgPr>
+    </p:bg>
+    <p:spTree>
+      <p:nvGrpSpPr>
+        <p:cNvPr id="1" name=""/>
+        <p:cNvGrpSpPr/>
+        <p:nvPr/>
+      </p:nvGrpSpPr>
+      <p:grpSpPr>
+        <a:xfrm>
+          <a:off x="0" y="0"/>
+          <a:ext cx="0" cy="0"/>
+          <a:chOff x="0" y="0"/>
+          <a:chExt cx="0" cy="0"/>
+        </a:xfrm>
+      </p:grpSpPr>
+      <p:sp>
+        <p:nvSpPr>
+          <p:cNvPr id="3" name="標題 1">
+            <a:extLst>
+              <a:ext uri="{FF2B5EF4-FFF2-40B4-BE49-F238E27FC236}">
+                <a16:creationId xmlns:a16="http://schemas.microsoft.com/office/drawing/2014/main" id="{E6E7AA89-EAED-7C77-0B9B-E54DE56AB964}"/>
+              </a:ext>
+            </a:extLst>
+          </p:cNvPr>
+          <p:cNvSpPr txBox="1">
+            <a:spLocks/>
+          </p:cNvSpPr>
+          <p:nvPr/>
+        </p:nvSpPr>
+        <p:spPr>
+          <a:xfrm>
+            <a:off x="408992" y="570399"/>
+            <a:ext cx="3304592" cy="1325563"/>
+          </a:xfrm>
+          <a:prstGeom prst="rect">
+            <a:avLst/>
+          </a:prstGeom>
+        </p:spPr>
+        <p:txBody>
+          <a:bodyPr>
+            <a:normAutofit/>
+          </a:bodyPr>
+          <a:lstStyle>
+            <a:lvl1pPr algn="l" defTabSz="914400" rtl="0" eaLnBrk="1" latinLnBrk="0" hangingPunct="1">
+              <a:lnSpc>
+                <a:spcPct val="90000"/>
+              </a:lnSpc>
+              <a:spcBef>
+                <a:spcPct val="0"/>
+              </a:spcBef>
+              <a:buNone/>
+              <a:defRPr sz="4400" kern="1200">
+                <a:solidFill>
+                  <a:schemeClr val="tx1"/>
+                </a:solidFill>
+                <a:latin typeface="+mj-lt"/>
+                <a:ea typeface="+mj-ea"/>
+                <a:cs typeface="+mj-cs"/>
+              </a:defRPr>
+            </a:lvl1pPr>
+          </a:lstStyle>
+          <a:p>
+            <a:r>
+              <a:rPr lang="en-US" altLang="zh-TW" sz="6000" dirty="0">
+                <a:latin typeface="cjkFonts 全瀨體" panose="02000600000000000000" pitchFamily="2" charset="-120"/>
+                <a:ea typeface="cjkFonts 全瀨體" panose="02000600000000000000" pitchFamily="2" charset="-120"/>
+                <a:cs typeface="cjkFonts 全瀨體" panose="02000600000000000000" pitchFamily="2" charset="-120"/>
+              </a:rPr>
+              <a:t>3.</a:t>
+            </a:r>
+            <a:r>
+              <a:rPr lang="zh-TW" altLang="en-US" sz="6000" dirty="0">
+                <a:latin typeface="cjkFonts 全瀨體" panose="02000600000000000000" pitchFamily="2" charset="-120"/>
+                <a:ea typeface="cjkFonts 全瀨體" panose="02000600000000000000" pitchFamily="2" charset="-120"/>
+                <a:cs typeface="cjkFonts 全瀨體" panose="02000600000000000000" pitchFamily="2" charset="-120"/>
+              </a:rPr>
+              <a:t>努力</a:t>
+            </a:r>
+          </a:p>
+        </p:txBody>
+      </p:sp>
+      <p:pic>
+        <p:nvPicPr>
+          <p:cNvPr id="1026" name="Picture 2" descr="日本動畫風格 黑色短髮黃瞳少女身穿紅色連帽長袖衣在宇宙中漂浮">
+            <a:extLst>
+              <a:ext uri="{FF2B5EF4-FFF2-40B4-BE49-F238E27FC236}">
+                <a16:creationId xmlns:a16="http://schemas.microsoft.com/office/drawing/2014/main" id="{63895854-114F-4D38-6656-F001B0696534}"/>
+              </a:ext>
+            </a:extLst>
+          </p:cNvPr>
+          <p:cNvPicPr>
+            <a:picLocks noChangeAspect="1" noChangeArrowheads="1"/>
+          </p:cNvPicPr>
+          <p:nvPr/>
+        </p:nvPicPr>
+        <p:blipFill>
+          <a:blip r:embed="rId4">
+            <a:extLst>
+              <a:ext uri="{28A0092B-C50C-407E-A947-70E740481C1C}">
+                <a14:useLocalDpi xmlns:a14="http://schemas.microsoft.com/office/drawing/2010/main" val="0"/>
+              </a:ext>
+            </a:extLst>
+          </a:blip>
+          <a:srcRect/>
+          <a:stretch>
+            <a:fillRect/>
+          </a:stretch>
+        </p:blipFill>
+        <p:spPr bwMode="auto">
+          <a:xfrm>
+            <a:off x="659296" y="1917697"/>
+            <a:ext cx="4369904" cy="4369904"/>
+          </a:xfrm>
+          <a:prstGeom prst="rect">
+            <a:avLst/>
+          </a:prstGeom>
+          <a:noFill/>
+          <a:extLst>
+            <a:ext uri="{909E8E84-426E-40DD-AFC4-6F175D3DCCD1}">
+              <a14:hiddenFill xmlns:a14="http://schemas.microsoft.com/office/drawing/2010/main">
+                <a:solidFill>
+                  <a:srgbClr val="FFFFFF"/>
+                </a:solidFill>
+              </a14:hiddenFill>
+            </a:ext>
+          </a:extLst>
+        </p:spPr>
+      </p:pic>
+    </p:spTree>
+    <p:extLst>
+      <p:ext uri="{BB962C8B-B14F-4D97-AF65-F5344CB8AC3E}">
+        <p14:creationId xmlns:p14="http://schemas.microsoft.com/office/powerpoint/2010/main" val="472462106"/>
+      </p:ext>
+    </p:extLst>
+  </p:cSld>
+  <p:clrMapOvr>
+    <a:masterClrMapping/>
+  </p:clrMapOvr>
+  <p:extLst>
+    <p:ext uri="{6950BFC3-D8DA-4A85-94F7-54DA5524770B}">
+      <p188:commentRel xmlns:p188="http://schemas.microsoft.com/office/powerpoint/2018/8/main" r:id="rId3"/>
+    </p:ext>
+  </p:extLst>
+</p:sld>
+</file>
+
+<file path=ppt/slides/slide5.xml><?xml version="1.0" encoding="utf-8"?>
+<p:sld xmlns:a="http://schemas.openxmlformats.org/drawingml/2006/main" xmlns:r="http://schemas.openxmlformats.org/officeDocument/2006/relationships" xmlns:p="http://schemas.openxmlformats.org/presentationml/2006/main">
+  <p:cSld>
+    <p:spTree>
+      <p:nvGrpSpPr>
+        <p:cNvPr id="1" name=""/>
+        <p:cNvGrpSpPr/>
+        <p:nvPr/>
+      </p:nvGrpSpPr>
+      <p:grpSpPr>
+        <a:xfrm>
+          <a:off x="0" y="0"/>
+          <a:ext cx="0" cy="0"/>
+          <a:chOff x="0" y="0"/>
+          <a:chExt cx="0" cy="0"/>
+        </a:xfrm>
+      </p:grpSpPr>
+      <p:sp>
+        <p:nvSpPr>
+          <p:cNvPr id="3" name="標題 1">
+            <a:extLst>
+              <a:ext uri="{FF2B5EF4-FFF2-40B4-BE49-F238E27FC236}">
+                <a16:creationId xmlns:a16="http://schemas.microsoft.com/office/drawing/2014/main" id="{16376F19-9C55-BD89-7B54-DCB3194E3EEC}"/>
+              </a:ext>
+            </a:extLst>
+          </p:cNvPr>
+          <p:cNvSpPr txBox="1">
+            <a:spLocks/>
+          </p:cNvSpPr>
+          <p:nvPr/>
+        </p:nvSpPr>
+        <p:spPr>
+          <a:xfrm>
+            <a:off x="408992" y="570399"/>
+            <a:ext cx="3304592" cy="1325563"/>
+          </a:xfrm>
+          <a:prstGeom prst="rect">
+            <a:avLst/>
+          </a:prstGeom>
+        </p:spPr>
+        <p:txBody>
+          <a:bodyPr>
+            <a:normAutofit/>
+          </a:bodyPr>
+          <a:lstStyle>
+            <a:lvl1pPr algn="l" defTabSz="914400" rtl="0" eaLnBrk="1" latinLnBrk="0" hangingPunct="1">
+              <a:lnSpc>
+                <a:spcPct val="90000"/>
+              </a:lnSpc>
+              <a:spcBef>
+                <a:spcPct val="0"/>
+              </a:spcBef>
+              <a:buNone/>
+              <a:defRPr sz="4400" kern="1200">
+                <a:solidFill>
+                  <a:schemeClr val="tx1"/>
+                </a:solidFill>
+                <a:latin typeface="+mj-lt"/>
+                <a:ea typeface="+mj-ea"/>
+                <a:cs typeface="+mj-cs"/>
+              </a:defRPr>
+            </a:lvl1pPr>
+          </a:lstStyle>
+          <a:p>
+            <a:r>
+              <a:rPr lang="en-US" altLang="zh-TW" sz="6000" dirty="0">
+                <a:latin typeface="cjkFonts 全瀨體" panose="02000600000000000000" pitchFamily="2" charset="-120"/>
+                <a:ea typeface="cjkFonts 全瀨體" panose="02000600000000000000" pitchFamily="2" charset="-120"/>
+                <a:cs typeface="cjkFonts 全瀨體" panose="02000600000000000000" pitchFamily="2" charset="-120"/>
+              </a:rPr>
+              <a:t>4.</a:t>
+            </a:r>
+            <a:r>
+              <a:rPr lang="zh-TW" altLang="en-US" sz="6000" dirty="0">
+                <a:latin typeface="cjkFonts 全瀨體" panose="02000600000000000000" pitchFamily="2" charset="-120"/>
+                <a:ea typeface="cjkFonts 全瀨體" panose="02000600000000000000" pitchFamily="2" charset="-120"/>
+                <a:cs typeface="cjkFonts 全瀨體" panose="02000600000000000000" pitchFamily="2" charset="-120"/>
+              </a:rPr>
+              <a:t>結果</a:t>
+            </a:r>
+          </a:p>
+        </p:txBody>
+      </p:sp>
+      <p:pic>
+        <p:nvPicPr>
+          <p:cNvPr id="2050" name="Picture 2" descr="日本動畫風格 黑色短髮黃瞳少女身穿紅色連帽長袖衣蝶坐在馬路邊">
+            <a:extLst>
+              <a:ext uri="{FF2B5EF4-FFF2-40B4-BE49-F238E27FC236}">
+                <a16:creationId xmlns:a16="http://schemas.microsoft.com/office/drawing/2014/main" id="{84BC136E-0D0C-6CBA-E332-2C83C3D08F53}"/>
+              </a:ext>
+            </a:extLst>
+          </p:cNvPr>
+          <p:cNvPicPr>
+            <a:picLocks noChangeAspect="1" noChangeArrowheads="1"/>
+          </p:cNvPicPr>
+          <p:nvPr/>
+        </p:nvPicPr>
+        <p:blipFill>
+          <a:blip r:embed="rId4">
+            <a:extLst>
+              <a:ext uri="{28A0092B-C50C-407E-A947-70E740481C1C}">
+                <a14:useLocalDpi xmlns:a14="http://schemas.microsoft.com/office/drawing/2010/main" val="0"/>
+              </a:ext>
+            </a:extLst>
+          </a:blip>
+          <a:srcRect/>
+          <a:stretch>
+            <a:fillRect/>
+          </a:stretch>
+        </p:blipFill>
+        <p:spPr bwMode="auto">
+          <a:xfrm>
+            <a:off x="689111" y="1895962"/>
+            <a:ext cx="4391639" cy="4391639"/>
+          </a:xfrm>
+          <a:prstGeom prst="rect">
+            <a:avLst/>
+          </a:prstGeom>
+          <a:noFill/>
+          <a:extLst>
+            <a:ext uri="{909E8E84-426E-40DD-AFC4-6F175D3DCCD1}">
+              <a14:hiddenFill xmlns:a14="http://schemas.microsoft.com/office/drawing/2010/main">
+                <a:solidFill>
+                  <a:srgbClr val="FFFFFF"/>
+                </a:solidFill>
+              </a14:hiddenFill>
+            </a:ext>
+          </a:extLst>
+        </p:spPr>
+      </p:pic>
+    </p:spTree>
+    <p:extLst>
+      <p:ext uri="{BB962C8B-B14F-4D97-AF65-F5344CB8AC3E}">
+        <p14:creationId xmlns:p14="http://schemas.microsoft.com/office/powerpoint/2010/main" val="3529904727"/>
+      </p:ext>
+    </p:extLst>
+  </p:cSld>
+  <p:clrMapOvr>
+    <a:masterClrMapping/>
+  </p:clrMapOvr>
+  <p:extLst>
+    <p:ext uri="{6950BFC3-D8DA-4A85-94F7-54DA5524770B}">
+      <p188:commentRel xmlns:p188="http://schemas.microsoft.com/office/powerpoint/2018/8/main" r:id="rId3"/>
+    </p:ext>
+  </p:extLst>
+</p:sld>
+</file>
+
+<file path=ppt/slides/slide6.xml><?xml version="1.0" encoding="utf-8"?>
+<p:sld xmlns:a="http://schemas.openxmlformats.org/drawingml/2006/main" xmlns:r="http://schemas.openxmlformats.org/officeDocument/2006/relationships" xmlns:p="http://schemas.openxmlformats.org/presentationml/2006/main">
+  <p:cSld>
+    <p:bg>
+      <p:bgPr>
+        <a:pattFill prst="ltVert">
+          <a:fgClr>
+            <a:srgbClr val="FFC408"/>
+          </a:fgClr>
+          <a:bgClr>
+            <a:schemeClr val="bg1"/>
+          </a:bgClr>
+        </a:pattFill>
+        <a:effectLst/>
+      </p:bgPr>
+    </p:bg>
+    <p:spTree>
+      <p:nvGrpSpPr>
+        <p:cNvPr id="1" name=""/>
+        <p:cNvGrpSpPr/>
+        <p:nvPr/>
+      </p:nvGrpSpPr>
+      <p:grpSpPr>
+        <a:xfrm>
+          <a:off x="0" y="0"/>
+          <a:ext cx="0" cy="0"/>
+          <a:chOff x="0" y="0"/>
+          <a:chExt cx="0" cy="0"/>
+        </a:xfrm>
+      </p:grpSpPr>
+      <p:sp>
+        <p:nvSpPr>
+          <p:cNvPr id="3" name="標題 1">
+            <a:extLst>
+              <a:ext uri="{FF2B5EF4-FFF2-40B4-BE49-F238E27FC236}">
+                <a16:creationId xmlns:a16="http://schemas.microsoft.com/office/drawing/2014/main" id="{4923A9B6-865F-AF7D-8345-4C1C4DA7A989}"/>
+              </a:ext>
+            </a:extLst>
+          </p:cNvPr>
+          <p:cNvSpPr txBox="1">
+            <a:spLocks/>
+          </p:cNvSpPr>
+          <p:nvPr/>
+        </p:nvSpPr>
+        <p:spPr>
+          <a:xfrm>
+            <a:off x="408992" y="570399"/>
+            <a:ext cx="3304592" cy="1325563"/>
+          </a:xfrm>
+          <a:prstGeom prst="rect">
+            <a:avLst/>
+          </a:prstGeom>
+        </p:spPr>
+        <p:txBody>
+          <a:bodyPr>
+            <a:normAutofit/>
+          </a:bodyPr>
+          <a:lstStyle>
+            <a:lvl1pPr algn="l" defTabSz="914400" rtl="0" eaLnBrk="1" latinLnBrk="0" hangingPunct="1">
+              <a:lnSpc>
+                <a:spcPct val="90000"/>
+              </a:lnSpc>
+              <a:spcBef>
+                <a:spcPct val="0"/>
+              </a:spcBef>
+              <a:buNone/>
+              <a:defRPr sz="4400" kern="1200">
+                <a:solidFill>
+                  <a:schemeClr val="tx1"/>
+                </a:solidFill>
+                <a:latin typeface="+mj-lt"/>
+                <a:ea typeface="+mj-ea"/>
+                <a:cs typeface="+mj-cs"/>
+              </a:defRPr>
+            </a:lvl1pPr>
+          </a:lstStyle>
+          <a:p>
+            <a:r>
+              <a:rPr lang="en-US" altLang="zh-TW" sz="6000" dirty="0">
+                <a:latin typeface="cjkFonts 全瀨體" panose="02000600000000000000" pitchFamily="2" charset="-120"/>
+                <a:ea typeface="cjkFonts 全瀨體" panose="02000600000000000000" pitchFamily="2" charset="-120"/>
+                <a:cs typeface="cjkFonts 全瀨體" panose="02000600000000000000" pitchFamily="2" charset="-120"/>
+              </a:rPr>
+              <a:t>5.</a:t>
+            </a:r>
+            <a:r>
+              <a:rPr lang="zh-TW" altLang="en-US" sz="6000" dirty="0">
+                <a:latin typeface="cjkFonts 全瀨體" panose="02000600000000000000" pitchFamily="2" charset="-120"/>
+                <a:ea typeface="cjkFonts 全瀨體" panose="02000600000000000000" pitchFamily="2" charset="-120"/>
+                <a:cs typeface="cjkFonts 全瀨體" panose="02000600000000000000" pitchFamily="2" charset="-120"/>
+              </a:rPr>
+              <a:t>意外</a:t>
+            </a:r>
+          </a:p>
+        </p:txBody>
+      </p:sp>
+      <p:pic>
+        <p:nvPicPr>
+          <p:cNvPr id="3074" name="Picture 2">
+            <a:extLst>
+              <a:ext uri="{FF2B5EF4-FFF2-40B4-BE49-F238E27FC236}">
+                <a16:creationId xmlns:a16="http://schemas.microsoft.com/office/drawing/2014/main" id="{27A5377C-12F2-4C70-366B-CA35078E751A}"/>
+              </a:ext>
+            </a:extLst>
+          </p:cNvPr>
+          <p:cNvPicPr>
+            <a:picLocks noChangeAspect="1" noChangeArrowheads="1"/>
+          </p:cNvPicPr>
+          <p:nvPr/>
+        </p:nvPicPr>
+        <p:blipFill>
+          <a:blip r:embed="rId4">
+            <a:extLst>
+              <a:ext uri="{28A0092B-C50C-407E-A947-70E740481C1C}">
+                <a14:useLocalDpi xmlns:a14="http://schemas.microsoft.com/office/drawing/2010/main" val="0"/>
+              </a:ext>
+            </a:extLst>
+          </a:blip>
+          <a:srcRect/>
+          <a:stretch>
+            <a:fillRect/>
+          </a:stretch>
+        </p:blipFill>
+        <p:spPr bwMode="auto">
+          <a:xfrm>
+            <a:off x="828261" y="1709530"/>
+            <a:ext cx="3306417" cy="4959625"/>
+          </a:xfrm>
+          <a:prstGeom prst="rect">
+            <a:avLst/>
+          </a:prstGeom>
+          <a:noFill/>
+          <a:extLst>
+            <a:ext uri="{909E8E84-426E-40DD-AFC4-6F175D3DCCD1}">
+              <a14:hiddenFill xmlns:a14="http://schemas.microsoft.com/office/drawing/2010/main">
+                <a:solidFill>
+                  <a:srgbClr val="FFFFFF"/>
+                </a:solidFill>
+              </a14:hiddenFill>
+            </a:ext>
+          </a:extLst>
+        </p:spPr>
+      </p:pic>
+    </p:spTree>
+    <p:extLst>
+      <p:ext uri="{BB962C8B-B14F-4D97-AF65-F5344CB8AC3E}">
+        <p14:creationId xmlns:p14="http://schemas.microsoft.com/office/powerpoint/2010/main" val="4178049185"/>
+      </p:ext>
+    </p:extLst>
+  </p:cSld>
+  <p:clrMapOvr>
+    <a:masterClrMapping/>
+  </p:clrMapOvr>
+  <p:extLst>
+    <p:ext uri="{6950BFC3-D8DA-4A85-94F7-54DA5524770B}">
+      <p188:commentRel xmlns:p188="http://schemas.microsoft.com/office/powerpoint/2018/8/main" r:id="rId3"/>
+    </p:ext>
+  </p:extLst>
+</p:sld>
+</file>
+
+<file path=ppt/slides/slide7.xml><?xml version="1.0" encoding="utf-8"?>
+<p:sld xmlns:a="http://schemas.openxmlformats.org/drawingml/2006/main" xmlns:r="http://schemas.openxmlformats.org/officeDocument/2006/relationships" xmlns:p="http://schemas.openxmlformats.org/presentationml/2006/main">
+  <p:cSld>
+    <p:spTree>
+      <p:nvGrpSpPr>
+        <p:cNvPr id="1" name=""/>
+        <p:cNvGrpSpPr/>
+        <p:nvPr/>
+      </p:nvGrpSpPr>
+      <p:grpSpPr>
+        <a:xfrm>
+          <a:off x="0" y="0"/>
+          <a:ext cx="0" cy="0"/>
+          <a:chOff x="0" y="0"/>
+          <a:chExt cx="0" cy="0"/>
+        </a:xfrm>
+      </p:grpSpPr>
+      <p:sp>
+        <p:nvSpPr>
+          <p:cNvPr id="3" name="標題 1">
+            <a:extLst>
+              <a:ext uri="{FF2B5EF4-FFF2-40B4-BE49-F238E27FC236}">
+                <a16:creationId xmlns:a16="http://schemas.microsoft.com/office/drawing/2014/main" id="{66C6293F-5347-11FD-5320-2C23894ED15E}"/>
+              </a:ext>
+            </a:extLst>
+          </p:cNvPr>
+          <p:cNvSpPr txBox="1">
+            <a:spLocks/>
+          </p:cNvSpPr>
+          <p:nvPr/>
+        </p:nvSpPr>
+        <p:spPr>
+          <a:xfrm>
+            <a:off x="408992" y="570399"/>
+            <a:ext cx="3304592" cy="1325563"/>
+          </a:xfrm>
+          <a:prstGeom prst="rect">
+            <a:avLst/>
+          </a:prstGeom>
+        </p:spPr>
+        <p:txBody>
+          <a:bodyPr>
+            <a:normAutofit/>
+          </a:bodyPr>
+          <a:lstStyle>
+            <a:lvl1pPr algn="l" defTabSz="914400" rtl="0" eaLnBrk="1" latinLnBrk="0" hangingPunct="1">
+              <a:lnSpc>
+                <a:spcPct val="90000"/>
+              </a:lnSpc>
+              <a:spcBef>
+                <a:spcPct val="0"/>
+              </a:spcBef>
+              <a:buNone/>
+              <a:defRPr sz="4400" kern="1200">
+                <a:solidFill>
+                  <a:schemeClr val="tx1"/>
+                </a:solidFill>
+                <a:latin typeface="+mj-lt"/>
+                <a:ea typeface="+mj-ea"/>
+                <a:cs typeface="+mj-cs"/>
+              </a:defRPr>
+            </a:lvl1pPr>
+          </a:lstStyle>
+          <a:p>
+            <a:r>
+              <a:rPr lang="en-US" altLang="zh-TW" sz="6000" dirty="0">
+                <a:latin typeface="cjkFonts 全瀨體" panose="02000600000000000000" pitchFamily="2" charset="-120"/>
+                <a:ea typeface="cjkFonts 全瀨體" panose="02000600000000000000" pitchFamily="2" charset="-120"/>
+                <a:cs typeface="cjkFonts 全瀨體" panose="02000600000000000000" pitchFamily="2" charset="-120"/>
+              </a:rPr>
+              <a:t>6.</a:t>
+            </a:r>
+            <a:r>
+              <a:rPr lang="zh-TW" altLang="en-US" sz="6000" dirty="0">
+                <a:latin typeface="cjkFonts 全瀨體" panose="02000600000000000000" pitchFamily="2" charset="-120"/>
+                <a:ea typeface="cjkFonts 全瀨體" panose="02000600000000000000" pitchFamily="2" charset="-120"/>
+                <a:cs typeface="cjkFonts 全瀨體" panose="02000600000000000000" pitchFamily="2" charset="-120"/>
+              </a:rPr>
+              <a:t>轉彎</a:t>
+            </a:r>
+          </a:p>
+        </p:txBody>
+      </p:sp>
+      <p:pic>
+        <p:nvPicPr>
+          <p:cNvPr id="5122" name="Picture 2" descr="日本動畫風格身穿紅色連帽衣有黑色短髮黃色眼睛的少女在路上走">
+            <a:extLst>
+              <a:ext uri="{FF2B5EF4-FFF2-40B4-BE49-F238E27FC236}">
+                <a16:creationId xmlns:a16="http://schemas.microsoft.com/office/drawing/2014/main" id="{D8F8234F-5683-5D10-517D-3C29379528DA}"/>
+              </a:ext>
+            </a:extLst>
+          </p:cNvPr>
+          <p:cNvPicPr>
+            <a:picLocks noChangeAspect="1" noChangeArrowheads="1"/>
+          </p:cNvPicPr>
+          <p:nvPr/>
+        </p:nvPicPr>
+        <p:blipFill>
+          <a:blip r:embed="rId4">
+            <a:extLst>
+              <a:ext uri="{28A0092B-C50C-407E-A947-70E740481C1C}">
+                <a14:useLocalDpi xmlns:a14="http://schemas.microsoft.com/office/drawing/2010/main" val="0"/>
+              </a:ext>
+            </a:extLst>
+          </a:blip>
+          <a:srcRect/>
+          <a:stretch>
+            <a:fillRect/>
+          </a:stretch>
+        </p:blipFill>
+        <p:spPr bwMode="auto">
+          <a:xfrm>
+            <a:off x="699053" y="1779104"/>
+            <a:ext cx="4691270" cy="4691270"/>
+          </a:xfrm>
+          <a:prstGeom prst="rect">
+            <a:avLst/>
+          </a:prstGeom>
+          <a:noFill/>
+          <a:extLst>
+            <a:ext uri="{909E8E84-426E-40DD-AFC4-6F175D3DCCD1}">
+              <a14:hiddenFill xmlns:a14="http://schemas.microsoft.com/office/drawing/2010/main">
+                <a:solidFill>
+                  <a:srgbClr val="FFFFFF"/>
+                </a:solidFill>
+              </a14:hiddenFill>
+            </a:ext>
+          </a:extLst>
+        </p:spPr>
+      </p:pic>
+    </p:spTree>
+    <p:extLst>
+      <p:ext uri="{BB962C8B-B14F-4D97-AF65-F5344CB8AC3E}">
+        <p14:creationId xmlns:p14="http://schemas.microsoft.com/office/powerpoint/2010/main" val="2739525392"/>
+      </p:ext>
+    </p:extLst>
+  </p:cSld>
+  <p:clrMapOvr>
+    <a:masterClrMapping/>
+  </p:clrMapOvr>
+  <p:extLst>
+    <p:ext uri="{6950BFC3-D8DA-4A85-94F7-54DA5524770B}">
+      <p188:commentRel xmlns:p188="http://schemas.microsoft.com/office/powerpoint/2018/8/main" r:id="rId3"/>
+    </p:ext>
+  </p:extLst>
+</p:sld>
+</file>
+
+<file path=ppt/slides/slide8.xml><?xml version="1.0" encoding="utf-8"?>
+<p:sld xmlns:a="http://schemas.openxmlformats.org/drawingml/2006/main" xmlns:r="http://schemas.openxmlformats.org/officeDocument/2006/relationships" xmlns:p="http://schemas.openxmlformats.org/presentationml/2006/main">
+  <p:cSld>
+    <p:bg>
+      <p:bgPr>
+        <a:pattFill prst="ltVert">
+          <a:fgClr>
+            <a:srgbClr val="FFC408"/>
+          </a:fgClr>
+          <a:bgClr>
+            <a:schemeClr val="bg1"/>
+          </a:bgClr>
+        </a:pattFill>
+        <a:effectLst/>
+      </p:bgPr>
+    </p:bg>
+    <p:spTree>
+      <p:nvGrpSpPr>
+        <p:cNvPr id="1" name=""/>
+        <p:cNvGrpSpPr/>
+        <p:nvPr/>
+      </p:nvGrpSpPr>
+      <p:grpSpPr>
+        <a:xfrm>
+          <a:off x="0" y="0"/>
+          <a:ext cx="0" cy="0"/>
+          <a:chOff x="0" y="0"/>
+          <a:chExt cx="0" cy="0"/>
+        </a:xfrm>
+      </p:grpSpPr>
+      <p:sp>
+        <p:nvSpPr>
+          <p:cNvPr id="3" name="標題 1">
+            <a:extLst>
+              <a:ext uri="{FF2B5EF4-FFF2-40B4-BE49-F238E27FC236}">
+                <a16:creationId xmlns:a16="http://schemas.microsoft.com/office/drawing/2014/main" id="{CFF8FA41-7F10-EBA8-47EA-FA1B8C7779D0}"/>
+              </a:ext>
+            </a:extLst>
+          </p:cNvPr>
+          <p:cNvSpPr txBox="1">
+            <a:spLocks/>
+          </p:cNvSpPr>
+          <p:nvPr/>
+        </p:nvSpPr>
+        <p:spPr>
+          <a:xfrm>
+            <a:off x="408992" y="570399"/>
+            <a:ext cx="3304592" cy="1325563"/>
+          </a:xfrm>
+          <a:prstGeom prst="rect">
+            <a:avLst/>
+          </a:prstGeom>
+        </p:spPr>
+        <p:txBody>
+          <a:bodyPr>
+            <a:normAutofit/>
+          </a:bodyPr>
+          <a:lstStyle>
+            <a:lvl1pPr algn="l" defTabSz="914400" rtl="0" eaLnBrk="1" latinLnBrk="0" hangingPunct="1">
+              <a:lnSpc>
+                <a:spcPct val="90000"/>
+              </a:lnSpc>
+              <a:spcBef>
+                <a:spcPct val="0"/>
+              </a:spcBef>
+              <a:buNone/>
+              <a:defRPr sz="4400" kern="1200">
+                <a:solidFill>
+                  <a:schemeClr val="tx1"/>
+                </a:solidFill>
+                <a:latin typeface="+mj-lt"/>
+                <a:ea typeface="+mj-ea"/>
+                <a:cs typeface="+mj-cs"/>
+              </a:defRPr>
+            </a:lvl1pPr>
+          </a:lstStyle>
+          <a:p>
+            <a:r>
+              <a:rPr lang="en-US" altLang="zh-TW" sz="6000" dirty="0">
+                <a:latin typeface="cjkFonts 全瀨體" panose="02000600000000000000" pitchFamily="2" charset="-120"/>
+                <a:ea typeface="cjkFonts 全瀨體" panose="02000600000000000000" pitchFamily="2" charset="-120"/>
+                <a:cs typeface="cjkFonts 全瀨體" panose="02000600000000000000" pitchFamily="2" charset="-120"/>
+              </a:rPr>
+              <a:t>7.</a:t>
+            </a:r>
+            <a:r>
+              <a:rPr lang="zh-TW" altLang="en-US" sz="6000" dirty="0">
+                <a:latin typeface="cjkFonts 全瀨體" panose="02000600000000000000" pitchFamily="2" charset="-120"/>
+                <a:ea typeface="cjkFonts 全瀨體" panose="02000600000000000000" pitchFamily="2" charset="-120"/>
+                <a:cs typeface="cjkFonts 全瀨體" panose="02000600000000000000" pitchFamily="2" charset="-120"/>
+              </a:rPr>
+              <a:t>結局</a:t>
+            </a:r>
+          </a:p>
+        </p:txBody>
+      </p:sp>
+      <p:pic>
+        <p:nvPicPr>
+          <p:cNvPr id="4100" name="Picture 4" descr="日本動畫風格身穿紅色連帽衣有黑色短髮黃色眼睛的少女站在地球上">
+            <a:extLst>
+              <a:ext uri="{FF2B5EF4-FFF2-40B4-BE49-F238E27FC236}">
+                <a16:creationId xmlns:a16="http://schemas.microsoft.com/office/drawing/2014/main" id="{8E4DAE48-66CF-6A4A-F414-D6D210D19057}"/>
+              </a:ext>
+            </a:extLst>
+          </p:cNvPr>
+          <p:cNvPicPr>
+            <a:picLocks noChangeAspect="1" noChangeArrowheads="1"/>
+          </p:cNvPicPr>
+          <p:nvPr/>
+        </p:nvPicPr>
+        <p:blipFill>
+          <a:blip r:embed="rId4">
+            <a:extLst>
+              <a:ext uri="{28A0092B-C50C-407E-A947-70E740481C1C}">
+                <a14:useLocalDpi xmlns:a14="http://schemas.microsoft.com/office/drawing/2010/main" val="0"/>
+              </a:ext>
+            </a:extLst>
+          </a:blip>
+          <a:srcRect/>
+          <a:stretch>
+            <a:fillRect/>
+          </a:stretch>
+        </p:blipFill>
+        <p:spPr bwMode="auto">
+          <a:xfrm>
+            <a:off x="609600" y="1603512"/>
+            <a:ext cx="4956313" cy="4956313"/>
+          </a:xfrm>
+          <a:prstGeom prst="rect">
+            <a:avLst/>
+          </a:prstGeom>
+          <a:noFill/>
+          <a:extLst>
+            <a:ext uri="{909E8E84-426E-40DD-AFC4-6F175D3DCCD1}">
+              <a14:hiddenFill xmlns:a14="http://schemas.microsoft.com/office/drawing/2010/main">
+                <a:solidFill>
+                  <a:srgbClr val="FFFFFF"/>
+                </a:solidFill>
+              </a14:hiddenFill>
+            </a:ext>
+          </a:extLst>
+        </p:spPr>
+      </p:pic>
+    </p:spTree>
+    <p:extLst>
+      <p:ext uri="{BB962C8B-B14F-4D97-AF65-F5344CB8AC3E}">
+        <p14:creationId xmlns:p14="http://schemas.microsoft.com/office/powerpoint/2010/main" val="4175471003"/>
+      </p:ext>
+    </p:extLst>
+  </p:cSld>
+  <p:clrMapOvr>
+    <a:masterClrMapping/>
+  </p:clrMapOvr>
+  <p:extLst>
+    <p:ext uri="{6950BFC3-D8DA-4A85-94F7-54DA5524770B}">
+      <p188:commentRel xmlns:p188="http://schemas.microsoft.com/office/powerpoint/2018/8/main" r:id="rId3"/>
+    </p:ext>
+  </p:extLst>
+</p:sld>
+</file>
+
+<file path=ppt/slides/slide9.xml><?xml version="1.0" encoding="utf-8"?>
+<p:sld xmlns:a="http://schemas.openxmlformats.org/drawingml/2006/main" xmlns:r="http://schemas.openxmlformats.org/officeDocument/2006/relationships" xmlns:p="http://schemas.openxmlformats.org/presentationml/2006/main">
+  <p:cSld>
+    <p:spTree>
+      <p:nvGrpSpPr>
+        <p:cNvPr id="1" name=""/>
+        <p:cNvGrpSpPr/>
+        <p:nvPr/>
+      </p:nvGrpSpPr>
+      <p:grpSpPr>
+        <a:xfrm>
+          <a:off x="0" y="0"/>
+          <a:ext cx="0" cy="0"/>
+          <a:chOff x="0" y="0"/>
+          <a:chExt cx="0" cy="0"/>
+        </a:xfrm>
+      </p:grpSpPr>
+      <p:sp>
+        <p:nvSpPr>
+          <p:cNvPr id="3" name="標題 2">
+            <a:extLst>
+              <a:ext uri="{FF2B5EF4-FFF2-40B4-BE49-F238E27FC236}">
+                <a16:creationId xmlns:a16="http://schemas.microsoft.com/office/drawing/2014/main" id="{34595793-9F03-4CBE-D97A-EFC0C3A51C0A}"/>
+              </a:ext>
+            </a:extLst>
+          </p:cNvPr>
+          <p:cNvSpPr>
+            <a:spLocks noGrp="1"/>
+          </p:cNvSpPr>
+          <p:nvPr>
+            <p:ph type="title"/>
+          </p:nvPr>
+        </p:nvSpPr>
+        <p:spPr>
+          <a:xfrm>
+            <a:off x="1138237" y="2766218"/>
+            <a:ext cx="1000125" cy="1325563"/>
+          </a:xfrm>
+        </p:spPr>
+        <p:txBody>
+          <a:bodyPr>
+            <a:normAutofit/>
+          </a:bodyPr>
+          <a:lstStyle/>
+          <a:p>
+            <a:r>
+              <a:rPr lang="zh-TW" altLang="en-US" sz="8000" dirty="0">
+                <a:latin typeface="cjkFonts 全瀨體" panose="02000600000000000000" pitchFamily="2" charset="-120"/>
+                <a:ea typeface="cjkFonts 全瀨體" panose="02000600000000000000" pitchFamily="2" charset="-120"/>
+                <a:cs typeface="cjkFonts 全瀨體" panose="02000600000000000000" pitchFamily="2" charset="-120"/>
+              </a:rPr>
+              <a:t>感</a:t>
+            </a:r>
+          </a:p>
+        </p:txBody>
+      </p:sp>
+      <p:sp>
+        <p:nvSpPr>
+          <p:cNvPr id="4" name="文字方塊 3">
+            <a:extLst>
+              <a:ext uri="{FF2B5EF4-FFF2-40B4-BE49-F238E27FC236}">
+                <a16:creationId xmlns:a16="http://schemas.microsoft.com/office/drawing/2014/main" id="{F50BCD7E-B962-4C7D-0D20-E1F40AD120DF}"/>
+              </a:ext>
+            </a:extLst>
+          </p:cNvPr>
+          <p:cNvSpPr txBox="1"/>
+          <p:nvPr/>
+        </p:nvSpPr>
+        <p:spPr>
+          <a:xfrm>
+            <a:off x="2286000" y="2685018"/>
+            <a:ext cx="1314450" cy="1200329"/>
+          </a:xfrm>
+          <a:prstGeom prst="rect">
+            <a:avLst/>
+          </a:prstGeom>
+          <a:noFill/>
+        </p:spPr>
+        <p:txBody>
+          <a:bodyPr wrap="square" rtlCol="0">
+            <a:spAutoFit/>
+          </a:bodyPr>
+          <a:lstStyle/>
+          <a:p>
+            <a:pPr>
+              <a:lnSpc>
+                <a:spcPct val="90000"/>
+              </a:lnSpc>
+              <a:spcBef>
+                <a:spcPct val="0"/>
+              </a:spcBef>
+            </a:pPr>
+            <a:r>
+              <a:rPr lang="zh-TW" altLang="en-US" sz="8000" dirty="0">
+                <a:latin typeface="cjkFonts 全瀨體" panose="02000600000000000000" pitchFamily="2" charset="-120"/>
+                <a:ea typeface="cjkFonts 全瀨體" panose="02000600000000000000" pitchFamily="2" charset="-120"/>
+                <a:cs typeface="cjkFonts 全瀨體" panose="02000600000000000000" pitchFamily="2" charset="-120"/>
+              </a:rPr>
+              <a:t>謝</a:t>
+            </a:r>
+          </a:p>
+        </p:txBody>
+      </p:sp>
+      <p:sp>
+        <p:nvSpPr>
+          <p:cNvPr id="5" name="文字方塊 4">
+            <a:extLst>
+              <a:ext uri="{FF2B5EF4-FFF2-40B4-BE49-F238E27FC236}">
+                <a16:creationId xmlns:a16="http://schemas.microsoft.com/office/drawing/2014/main" id="{1AC92874-B894-BAD1-97B1-5B6347C20512}"/>
+              </a:ext>
+            </a:extLst>
+          </p:cNvPr>
+          <p:cNvSpPr txBox="1"/>
+          <p:nvPr/>
+        </p:nvSpPr>
+        <p:spPr>
+          <a:xfrm>
+            <a:off x="3362325" y="2967335"/>
+            <a:ext cx="857250" cy="1200329"/>
+          </a:xfrm>
+          <a:prstGeom prst="rect">
+            <a:avLst/>
+          </a:prstGeom>
+          <a:noFill/>
+        </p:spPr>
+        <p:txBody>
+          <a:bodyPr wrap="square" rtlCol="0">
+            <a:spAutoFit/>
+          </a:bodyPr>
+          <a:lstStyle/>
+          <a:p>
+            <a:pPr>
+              <a:lnSpc>
+                <a:spcPct val="90000"/>
+              </a:lnSpc>
+              <a:spcBef>
+                <a:spcPct val="0"/>
+              </a:spcBef>
+            </a:pPr>
+            <a:r>
+              <a:rPr lang="zh-TW" altLang="en-US" sz="8000" dirty="0">
+                <a:latin typeface="cjkFonts 全瀨體" panose="02000600000000000000" pitchFamily="2" charset="-120"/>
+                <a:ea typeface="cjkFonts 全瀨體" panose="02000600000000000000" pitchFamily="2" charset="-120"/>
+                <a:cs typeface="cjkFonts 全瀨體" panose="02000600000000000000" pitchFamily="2" charset="-120"/>
+              </a:rPr>
+              <a:t>聆</a:t>
+            </a:r>
+          </a:p>
+        </p:txBody>
+      </p:sp>
+      <p:sp>
+        <p:nvSpPr>
+          <p:cNvPr id="6" name="文字方塊 5">
+            <a:extLst>
+              <a:ext uri="{FF2B5EF4-FFF2-40B4-BE49-F238E27FC236}">
+                <a16:creationId xmlns:a16="http://schemas.microsoft.com/office/drawing/2014/main" id="{774E3AB6-64FB-6C54-22F5-34916AFA988A}"/>
+              </a:ext>
+            </a:extLst>
+          </p:cNvPr>
+          <p:cNvSpPr txBox="1"/>
+          <p:nvPr/>
+        </p:nvSpPr>
+        <p:spPr>
+          <a:xfrm>
+            <a:off x="4514850" y="2685018"/>
+            <a:ext cx="752475" cy="1200329"/>
+          </a:xfrm>
+          <a:prstGeom prst="rect">
+            <a:avLst/>
+          </a:prstGeom>
+          <a:noFill/>
+        </p:spPr>
+        <p:txBody>
+          <a:bodyPr wrap="square" rtlCol="0">
+            <a:spAutoFit/>
+          </a:bodyPr>
+          <a:lstStyle/>
+          <a:p>
+            <a:pPr>
+              <a:lnSpc>
+                <a:spcPct val="90000"/>
+              </a:lnSpc>
+              <a:spcBef>
+                <a:spcPct val="0"/>
+              </a:spcBef>
+            </a:pPr>
+            <a:r>
+              <a:rPr lang="zh-TW" altLang="en-US" sz="8000" dirty="0">
+                <a:latin typeface="cjkFonts 全瀨體" panose="02000600000000000000" pitchFamily="2" charset="-120"/>
+                <a:ea typeface="cjkFonts 全瀨體" panose="02000600000000000000" pitchFamily="2" charset="-120"/>
+                <a:cs typeface="cjkFonts 全瀨體" panose="02000600000000000000" pitchFamily="2" charset="-120"/>
+              </a:rPr>
+              <a:t>聽</a:t>
+            </a:r>
+          </a:p>
+        </p:txBody>
+      </p:sp>
+    </p:spTree>
+    <p:extLst>
+      <p:ext uri="{BB962C8B-B14F-4D97-AF65-F5344CB8AC3E}">
+        <p14:creationId xmlns:p14="http://schemas.microsoft.com/office/powerpoint/2010/main" val="522457560"/>
       </p:ext>
     </p:extLst>
   </p:cSld>
@@ -3395,39 +6090,39 @@
         <a:sysClr val="window" lastClr="FFFFFF"/>
       </a:lt1>
       <a:dk2>
-        <a:srgbClr val="44546A"/>
+        <a:srgbClr val="0E2841"/>
       </a:dk2>
       <a:lt2>
-        <a:srgbClr val="E7E6E6"/>
+        <a:srgbClr val="E8E8E8"/>
       </a:lt2>
       <a:accent1>
-        <a:srgbClr val="4472C4"/>
+        <a:srgbClr val="156082"/>
       </a:accent1>
       <a:accent2>
-        <a:srgbClr val="ED7D31"/>
+        <a:srgbClr val="E97132"/>
       </a:accent2>
       <a:accent3>
-        <a:srgbClr val="A5A5A5"/>
+        <a:srgbClr val="196B24"/>
       </a:accent3>
       <a:accent4>
-        <a:srgbClr val="FFC000"/>
+        <a:srgbClr val="0F9ED5"/>
       </a:accent4>
       <a:accent5>
-        <a:srgbClr val="5B9BD5"/>
+        <a:srgbClr val="A02B93"/>
       </a:accent5>
       <a:accent6>
-        <a:srgbClr val="70AD47"/>
+        <a:srgbClr val="4EA72E"/>
       </a:accent6>
       <a:hlink>
-        <a:srgbClr val="0563C1"/>
+        <a:srgbClr val="467886"/>
       </a:hlink>
       <a:folHlink>
-        <a:srgbClr val="954F72"/>
+        <a:srgbClr val="96607D"/>
       </a:folHlink>
     </a:clrScheme>
     <a:fontScheme name="Office">
       <a:majorFont>
-        <a:latin typeface="Calibri Light" panose="020F0302020204030204"/>
+        <a:latin typeface="Aptos Display" panose="02110004020202020204"/>
         <a:ea typeface=""/>
         <a:cs typeface=""/>
         <a:font script="Jpan" typeface="游ゴシック Light"/>
@@ -3479,7 +6174,7 @@
         <a:font script="Tfng" typeface="Ebrima"/>
       </a:majorFont>
       <a:minorFont>
-        <a:latin typeface="Calibri" panose="020F0502020204030204"/>
+        <a:latin typeface="Aptos" panose="02110004020202020204"/>
         <a:ea typeface=""/>
         <a:cs typeface=""/>
         <a:font script="Jpan" typeface="游ゴシック"/>
@@ -3590,13 +6285,6 @@
         </a:gradFill>
       </a:fillStyleLst>
       <a:lnStyleLst>
-        <a:ln w="6350" cap="flat" cmpd="sng" algn="ctr">
-          <a:solidFill>
-            <a:schemeClr val="phClr"/>
-          </a:solidFill>
-          <a:prstDash val="solid"/>
-          <a:miter lim="800000"/>
-        </a:ln>
         <a:ln w="12700" cap="flat" cmpd="sng" algn="ctr">
           <a:solidFill>
             <a:schemeClr val="phClr"/>
@@ -3605,6 +6293,13 @@
           <a:miter lim="800000"/>
         </a:ln>
         <a:ln w="19050" cap="flat" cmpd="sng" algn="ctr">
+          <a:solidFill>
+            <a:schemeClr val="phClr"/>
+          </a:solidFill>
+          <a:prstDash val="solid"/>
+          <a:miter lim="800000"/>
+        </a:ln>
+        <a:ln w="25400" cap="flat" cmpd="sng" algn="ctr">
           <a:solidFill>
             <a:schemeClr val="phClr"/>
           </a:solidFill>
@@ -3669,11 +6364,346 @@
       </a:bgFillStyleLst>
     </a:fmtScheme>
   </a:themeElements>
-  <a:objectDefaults/>
+  <a:objectDefaults>
+    <a:lnDef>
+      <a:spPr/>
+      <a:bodyPr/>
+      <a:lstStyle/>
+      <a:style>
+        <a:lnRef idx="2">
+          <a:schemeClr val="accent1"/>
+        </a:lnRef>
+        <a:fillRef idx="0">
+          <a:schemeClr val="accent1"/>
+        </a:fillRef>
+        <a:effectRef idx="1">
+          <a:schemeClr val="accent1"/>
+        </a:effectRef>
+        <a:fontRef idx="minor">
+          <a:schemeClr val="tx1"/>
+        </a:fontRef>
+      </a:style>
+    </a:lnDef>
+  </a:objectDefaults>
   <a:extraClrSchemeLst/>
   <a:extLst>
     <a:ext uri="{05A4C25C-085E-4340-85A3-A5531E510DB2}">
-      <thm15:themeFamily xmlns:thm15="http://schemas.microsoft.com/office/thememl/2012/main" name="Office Theme" id="{62F939B6-93AF-4DB8-9C6B-D6C7DFDC589F}" vid="{4A3C46E8-61CC-4603-A589-7422A47A8E4A}"/>
+      <thm15:themeFamily xmlns:thm15="http://schemas.microsoft.com/office/thememl/2012/main" name="Office Theme" id="{2E142A2C-CD16-42D6-873A-C26D2A0506FA}" vid="{1BDDFF52-6CD6-40A5-AB3C-68EB2F1E4D0A}"/>
+    </a:ext>
+  </a:extLst>
+</a:theme>
+</file>
+
+<file path=ppt/theme/theme2.xml><?xml version="1.0" encoding="utf-8"?>
+<a:theme xmlns:a="http://schemas.openxmlformats.org/drawingml/2006/main" name="Office 佈景主題">
+  <a:themeElements>
+    <a:clrScheme name="Office">
+      <a:dk1>
+        <a:sysClr val="windowText" lastClr="000000"/>
+      </a:dk1>
+      <a:lt1>
+        <a:sysClr val="window" lastClr="FFFFFF"/>
+      </a:lt1>
+      <a:dk2>
+        <a:srgbClr val="0E2841"/>
+      </a:dk2>
+      <a:lt2>
+        <a:srgbClr val="E8E8E8"/>
+      </a:lt2>
+      <a:accent1>
+        <a:srgbClr val="156082"/>
+      </a:accent1>
+      <a:accent2>
+        <a:srgbClr val="E97132"/>
+      </a:accent2>
+      <a:accent3>
+        <a:srgbClr val="196B24"/>
+      </a:accent3>
+      <a:accent4>
+        <a:srgbClr val="0F9ED5"/>
+      </a:accent4>
+      <a:accent5>
+        <a:srgbClr val="A02B93"/>
+      </a:accent5>
+      <a:accent6>
+        <a:srgbClr val="4EA72E"/>
+      </a:accent6>
+      <a:hlink>
+        <a:srgbClr val="467886"/>
+      </a:hlink>
+      <a:folHlink>
+        <a:srgbClr val="96607D"/>
+      </a:folHlink>
+    </a:clrScheme>
+    <a:fontScheme name="Office">
+      <a:majorFont>
+        <a:latin typeface="Aptos Display" panose="02110004020202020204"/>
+        <a:ea typeface=""/>
+        <a:cs typeface=""/>
+        <a:font script="Jpan" typeface="游ゴシック Light"/>
+        <a:font script="Hang" typeface="맑은 고딕"/>
+        <a:font script="Hans" typeface="等线 Light"/>
+        <a:font script="Hant" typeface="新細明體"/>
+        <a:font script="Arab" typeface="Times New Roman"/>
+        <a:font script="Hebr" typeface="Times New Roman"/>
+        <a:font script="Thai" typeface="Angsana New"/>
+        <a:font script="Ethi" typeface="Nyala"/>
+        <a:font script="Beng" typeface="Vrinda"/>
+        <a:font script="Gujr" typeface="Shruti"/>
+        <a:font script="Khmr" typeface="MoolBoran"/>
+        <a:font script="Knda" typeface="Tunga"/>
+        <a:font script="Guru" typeface="Raavi"/>
+        <a:font script="Cans" typeface="Euphemia"/>
+        <a:font script="Cher" typeface="Plantagenet Cherokee"/>
+        <a:font script="Yiii" typeface="Microsoft Yi Baiti"/>
+        <a:font script="Tibt" typeface="Microsoft Himalaya"/>
+        <a:font script="Thaa" typeface="MV Boli"/>
+        <a:font script="Deva" typeface="Mangal"/>
+        <a:font script="Telu" typeface="Gautami"/>
+        <a:font script="Taml" typeface="Latha"/>
+        <a:font script="Syrc" typeface="Estrangelo Edessa"/>
+        <a:font script="Orya" typeface="Kalinga"/>
+        <a:font script="Mlym" typeface="Kartika"/>
+        <a:font script="Laoo" typeface="DokChampa"/>
+        <a:font script="Sinh" typeface="Iskoola Pota"/>
+        <a:font script="Mong" typeface="Mongolian Baiti"/>
+        <a:font script="Viet" typeface="Times New Roman"/>
+        <a:font script="Uigh" typeface="Microsoft Uighur"/>
+        <a:font script="Geor" typeface="Sylfaen"/>
+        <a:font script="Armn" typeface="Arial"/>
+        <a:font script="Bugi" typeface="Leelawadee UI"/>
+        <a:font script="Bopo" typeface="Microsoft JhengHei"/>
+        <a:font script="Java" typeface="Javanese Text"/>
+        <a:font script="Lisu" typeface="Segoe UI"/>
+        <a:font script="Mymr" typeface="Myanmar Text"/>
+        <a:font script="Nkoo" typeface="Ebrima"/>
+        <a:font script="Olck" typeface="Nirmala UI"/>
+        <a:font script="Osma" typeface="Ebrima"/>
+        <a:font script="Phag" typeface="Phagspa"/>
+        <a:font script="Syrn" typeface="Estrangelo Edessa"/>
+        <a:font script="Syrj" typeface="Estrangelo Edessa"/>
+        <a:font script="Syre" typeface="Estrangelo Edessa"/>
+        <a:font script="Sora" typeface="Nirmala UI"/>
+        <a:font script="Tale" typeface="Microsoft Tai Le"/>
+        <a:font script="Talu" typeface="Microsoft New Tai Lue"/>
+        <a:font script="Tfng" typeface="Ebrima"/>
+      </a:majorFont>
+      <a:minorFont>
+        <a:latin typeface="Aptos" panose="02110004020202020204"/>
+        <a:ea typeface=""/>
+        <a:cs typeface=""/>
+        <a:font script="Jpan" typeface="游ゴシック"/>
+        <a:font script="Hang" typeface="맑은 고딕"/>
+        <a:font script="Hans" typeface="等线"/>
+        <a:font script="Hant" typeface="新細明體"/>
+        <a:font script="Arab" typeface="Arial"/>
+        <a:font script="Hebr" typeface="Arial"/>
+        <a:font script="Thai" typeface="Cordia New"/>
+        <a:font script="Ethi" typeface="Nyala"/>
+        <a:font script="Beng" typeface="Vrinda"/>
+        <a:font script="Gujr" typeface="Shruti"/>
+        <a:font script="Khmr" typeface="DaunPenh"/>
+        <a:font script="Knda" typeface="Tunga"/>
+        <a:font script="Guru" typeface="Raavi"/>
+        <a:font script="Cans" typeface="Euphemia"/>
+        <a:font script="Cher" typeface="Plantagenet Cherokee"/>
+        <a:font script="Yiii" typeface="Microsoft Yi Baiti"/>
+        <a:font script="Tibt" typeface="Microsoft Himalaya"/>
+        <a:font script="Thaa" typeface="MV Boli"/>
+        <a:font script="Deva" typeface="Mangal"/>
+        <a:font script="Telu" typeface="Gautami"/>
+        <a:font script="Taml" typeface="Latha"/>
+        <a:font script="Syrc" typeface="Estrangelo Edessa"/>
+        <a:font script="Orya" typeface="Kalinga"/>
+        <a:font script="Mlym" typeface="Kartika"/>
+        <a:font script="Laoo" typeface="DokChampa"/>
+        <a:font script="Sinh" typeface="Iskoola Pota"/>
+        <a:font script="Mong" typeface="Mongolian Baiti"/>
+        <a:font script="Viet" typeface="Arial"/>
+        <a:font script="Uigh" typeface="Microsoft Uighur"/>
+        <a:font script="Geor" typeface="Sylfaen"/>
+        <a:font script="Armn" typeface="Arial"/>
+        <a:font script="Bugi" typeface="Leelawadee UI"/>
+        <a:font script="Bopo" typeface="Microsoft JhengHei"/>
+        <a:font script="Java" typeface="Javanese Text"/>
+        <a:font script="Lisu" typeface="Segoe UI"/>
+        <a:font script="Mymr" typeface="Myanmar Text"/>
+        <a:font script="Nkoo" typeface="Ebrima"/>
+        <a:font script="Olck" typeface="Nirmala UI"/>
+        <a:font script="Osma" typeface="Ebrima"/>
+        <a:font script="Phag" typeface="Phagspa"/>
+        <a:font script="Syrn" typeface="Estrangelo Edessa"/>
+        <a:font script="Syrj" typeface="Estrangelo Edessa"/>
+        <a:font script="Syre" typeface="Estrangelo Edessa"/>
+        <a:font script="Sora" typeface="Nirmala UI"/>
+        <a:font script="Tale" typeface="Microsoft Tai Le"/>
+        <a:font script="Talu" typeface="Microsoft New Tai Lue"/>
+        <a:font script="Tfng" typeface="Ebrima"/>
+      </a:minorFont>
+    </a:fontScheme>
+    <a:fmtScheme name="Office">
+      <a:fillStyleLst>
+        <a:solidFill>
+          <a:schemeClr val="phClr"/>
+        </a:solidFill>
+        <a:gradFill rotWithShape="1">
+          <a:gsLst>
+            <a:gs pos="0">
+              <a:schemeClr val="phClr">
+                <a:lumMod val="110000"/>
+                <a:satMod val="105000"/>
+                <a:tint val="67000"/>
+              </a:schemeClr>
+            </a:gs>
+            <a:gs pos="50000">
+              <a:schemeClr val="phClr">
+                <a:lumMod val="105000"/>
+                <a:satMod val="103000"/>
+                <a:tint val="73000"/>
+              </a:schemeClr>
+            </a:gs>
+            <a:gs pos="100000">
+              <a:schemeClr val="phClr">
+                <a:lumMod val="105000"/>
+                <a:satMod val="109000"/>
+                <a:tint val="81000"/>
+              </a:schemeClr>
+            </a:gs>
+          </a:gsLst>
+          <a:lin ang="5400000" scaled="0"/>
+        </a:gradFill>
+        <a:gradFill rotWithShape="1">
+          <a:gsLst>
+            <a:gs pos="0">
+              <a:schemeClr val="phClr">
+                <a:satMod val="103000"/>
+                <a:lumMod val="102000"/>
+                <a:tint val="94000"/>
+              </a:schemeClr>
+            </a:gs>
+            <a:gs pos="50000">
+              <a:schemeClr val="phClr">
+                <a:satMod val="110000"/>
+                <a:lumMod val="100000"/>
+                <a:shade val="100000"/>
+              </a:schemeClr>
+            </a:gs>
+            <a:gs pos="100000">
+              <a:schemeClr val="phClr">
+                <a:lumMod val="99000"/>
+                <a:satMod val="120000"/>
+                <a:shade val="78000"/>
+              </a:schemeClr>
+            </a:gs>
+          </a:gsLst>
+          <a:lin ang="5400000" scaled="0"/>
+        </a:gradFill>
+      </a:fillStyleLst>
+      <a:lnStyleLst>
+        <a:ln w="12700" cap="flat" cmpd="sng" algn="ctr">
+          <a:solidFill>
+            <a:schemeClr val="phClr"/>
+          </a:solidFill>
+          <a:prstDash val="solid"/>
+          <a:miter lim="800000"/>
+        </a:ln>
+        <a:ln w="19050" cap="flat" cmpd="sng" algn="ctr">
+          <a:solidFill>
+            <a:schemeClr val="phClr"/>
+          </a:solidFill>
+          <a:prstDash val="solid"/>
+          <a:miter lim="800000"/>
+        </a:ln>
+        <a:ln w="25400" cap="flat" cmpd="sng" algn="ctr">
+          <a:solidFill>
+            <a:schemeClr val="phClr"/>
+          </a:solidFill>
+          <a:prstDash val="solid"/>
+          <a:miter lim="800000"/>
+        </a:ln>
+      </a:lnStyleLst>
+      <a:effectStyleLst>
+        <a:effectStyle>
+          <a:effectLst/>
+        </a:effectStyle>
+        <a:effectStyle>
+          <a:effectLst/>
+        </a:effectStyle>
+        <a:effectStyle>
+          <a:effectLst>
+            <a:outerShdw blurRad="57150" dist="19050" dir="5400000" algn="ctr" rotWithShape="0">
+              <a:srgbClr val="000000">
+                <a:alpha val="63000"/>
+              </a:srgbClr>
+            </a:outerShdw>
+          </a:effectLst>
+        </a:effectStyle>
+      </a:effectStyleLst>
+      <a:bgFillStyleLst>
+        <a:solidFill>
+          <a:schemeClr val="phClr"/>
+        </a:solidFill>
+        <a:solidFill>
+          <a:schemeClr val="phClr">
+            <a:tint val="95000"/>
+            <a:satMod val="170000"/>
+          </a:schemeClr>
+        </a:solidFill>
+        <a:gradFill rotWithShape="1">
+          <a:gsLst>
+            <a:gs pos="0">
+              <a:schemeClr val="phClr">
+                <a:tint val="93000"/>
+                <a:satMod val="150000"/>
+                <a:shade val="98000"/>
+                <a:lumMod val="102000"/>
+              </a:schemeClr>
+            </a:gs>
+            <a:gs pos="50000">
+              <a:schemeClr val="phClr">
+                <a:tint val="98000"/>
+                <a:satMod val="130000"/>
+                <a:shade val="90000"/>
+                <a:lumMod val="103000"/>
+              </a:schemeClr>
+            </a:gs>
+            <a:gs pos="100000">
+              <a:schemeClr val="phClr">
+                <a:shade val="63000"/>
+                <a:satMod val="120000"/>
+              </a:schemeClr>
+            </a:gs>
+          </a:gsLst>
+          <a:lin ang="5400000" scaled="0"/>
+        </a:gradFill>
+      </a:bgFillStyleLst>
+    </a:fmtScheme>
+  </a:themeElements>
+  <a:objectDefaults>
+    <a:lnDef>
+      <a:spPr/>
+      <a:bodyPr/>
+      <a:lstStyle/>
+      <a:style>
+        <a:lnRef idx="2">
+          <a:schemeClr val="accent1"/>
+        </a:lnRef>
+        <a:fillRef idx="0">
+          <a:schemeClr val="accent1"/>
+        </a:fillRef>
+        <a:effectRef idx="1">
+          <a:schemeClr val="accent1"/>
+        </a:effectRef>
+        <a:fontRef idx="minor">
+          <a:schemeClr val="tx1"/>
+        </a:fontRef>
+      </a:style>
+    </a:lnDef>
+  </a:objectDefaults>
+  <a:extraClrSchemeLst/>
+  <a:extLst>
+    <a:ext uri="{05A4C25C-085E-4340-85A3-A5531E510DB2}">
+      <thm15:themeFamily xmlns:thm15="http://schemas.microsoft.com/office/thememl/2012/main" name="Office Theme" id="{2E142A2C-CD16-42D6-873A-C26D2A0506FA}" vid="{1BDDFF52-6CD6-40A5-AB3C-68EB2F1E4D0A}"/>
     </a:ext>
   </a:extLst>
 </a:theme>
